--- a/Powerpoint Slides/Generative AI COE Technical Assessment Slides - ResumeGPT.pptx
+++ b/Powerpoint Slides/Generative AI COE Technical Assessment Slides - ResumeGPT.pptx
@@ -20,6 +20,8 @@
     <p:sldId id="265" r:id="rId15"/>
     <p:sldId id="266" r:id="rId16"/>
     <p:sldId id="267" r:id="rId17"/>
+    <p:sldId id="268" r:id="rId18"/>
+    <p:sldId id="269" r:id="rId19"/>
   </p:sldIdLst>
   <p:sldSz cy="5143500" cx="9144000"/>
   <p:notesSz cx="6858000" cy="9144000"/>
@@ -801,7 +803,7 @@
   <p:cSld>
     <p:spTree>
       <p:nvGrpSpPr>
-        <p:cNvPr id="192" name="Shape 192"/>
+        <p:cNvPr id="196" name="Shape 196"/>
         <p:cNvGrpSpPr/>
         <p:nvPr/>
       </p:nvGrpSpPr>
@@ -815,7 +817,7 @@
       </p:grpSpPr>
       <p:sp>
         <p:nvSpPr>
-          <p:cNvPr id="193" name="Google Shape;193;g2b1b2743e4b_0_299:notes"/>
+          <p:cNvPr id="197" name="Google Shape;197;g2b1afd8d105_1_128:notes"/>
           <p:cNvSpPr txBox="1"/>
           <p:nvPr>
             <p:ph idx="1" type="body"/>
@@ -824,7 +826,7 @@
         <p:spPr>
           <a:xfrm>
             <a:off x="914400" y="3251200"/>
-            <a:ext cx="7315200" cy="3081300"/>
+            <a:ext cx="7315200" cy="3081338"/>
           </a:xfrm>
           <a:prstGeom prst="rect">
             <a:avLst/>
@@ -854,7 +856,7 @@
       </p:sp>
       <p:sp>
         <p:nvSpPr>
-          <p:cNvPr id="194" name="Google Shape;194;g2b1b2743e4b_0_299:notes"/>
+          <p:cNvPr id="198" name="Google Shape;198;g2b1afd8d105_1_128:notes"/>
           <p:cNvSpPr/>
           <p:nvPr>
             <p:ph idx="2" type="sldImg"/>
@@ -863,7 +865,7 @@
         <p:spPr>
           <a:xfrm>
             <a:off x="2857500" y="512763"/>
-            <a:ext cx="3429000" cy="2567100"/>
+            <a:ext cx="3429000" cy="2566987"/>
           </a:xfrm>
           <a:custGeom>
             <a:rect b="b" l="l" r="r" t="t"/>
@@ -900,7 +902,7 @@
   <p:cSld>
     <p:spTree>
       <p:nvGrpSpPr>
-        <p:cNvPr id="205" name="Shape 205"/>
+        <p:cNvPr id="206" name="Shape 206"/>
         <p:cNvGrpSpPr/>
         <p:nvPr/>
       </p:nvGrpSpPr>
@@ -914,7 +916,106 @@
       </p:grpSpPr>
       <p:sp>
         <p:nvSpPr>
-          <p:cNvPr id="206" name="Google Shape;206;g2b1afd8d105_1_140:notes"/>
+          <p:cNvPr id="207" name="Google Shape;207;g2b1b2743e4b_0_299:notes"/>
+          <p:cNvSpPr txBox="1"/>
+          <p:nvPr>
+            <p:ph idx="1" type="body"/>
+          </p:nvPr>
+        </p:nvSpPr>
+        <p:spPr>
+          <a:xfrm>
+            <a:off x="914400" y="3251200"/>
+            <a:ext cx="7315200" cy="3081300"/>
+          </a:xfrm>
+          <a:prstGeom prst="rect">
+            <a:avLst/>
+          </a:prstGeom>
+        </p:spPr>
+        <p:txBody>
+          <a:bodyPr anchorCtr="0" anchor="t" bIns="91425" lIns="91425" spcFirstLastPara="1" rIns="91425" wrap="square" tIns="91425">
+            <a:noAutofit/>
+          </a:bodyPr>
+          <a:lstStyle/>
+          <a:p>
+            <a:pPr indent="0" lvl="0" marL="0" rtl="0" algn="l">
+              <a:spcBef>
+                <a:spcPts val="0"/>
+              </a:spcBef>
+              <a:spcAft>
+                <a:spcPts val="0"/>
+              </a:spcAft>
+              <a:buNone/>
+            </a:pPr>
+            <a:r>
+              <a:t/>
+            </a:r>
+            <a:endParaRPr/>
+          </a:p>
+        </p:txBody>
+      </p:sp>
+      <p:sp>
+        <p:nvSpPr>
+          <p:cNvPr id="208" name="Google Shape;208;g2b1b2743e4b_0_299:notes"/>
+          <p:cNvSpPr/>
+          <p:nvPr>
+            <p:ph idx="2" type="sldImg"/>
+          </p:nvPr>
+        </p:nvSpPr>
+        <p:spPr>
+          <a:xfrm>
+            <a:off x="2857500" y="512763"/>
+            <a:ext cx="3429000" cy="2567100"/>
+          </a:xfrm>
+          <a:custGeom>
+            <a:rect b="b" l="l" r="r" t="t"/>
+            <a:pathLst>
+              <a:path extrusionOk="0" h="120000" w="120000">
+                <a:moveTo>
+                  <a:pt x="0" y="0"/>
+                </a:moveTo>
+                <a:lnTo>
+                  <a:pt x="120000" y="0"/>
+                </a:lnTo>
+                <a:lnTo>
+                  <a:pt x="120000" y="120000"/>
+                </a:lnTo>
+                <a:lnTo>
+                  <a:pt x="0" y="120000"/>
+                </a:lnTo>
+                <a:close/>
+              </a:path>
+            </a:pathLst>
+          </a:custGeom>
+        </p:spPr>
+      </p:sp>
+    </p:spTree>
+  </p:cSld>
+  <p:clrMapOvr>
+    <a:masterClrMapping/>
+  </p:clrMapOvr>
+</p:notes>
+</file>
+
+<file path=ppt/notesSlides/notesSlide12.xml><?xml version="1.0" encoding="utf-8"?>
+<p:notes xmlns:a="http://schemas.openxmlformats.org/drawingml/2006/main" xmlns:r="http://schemas.openxmlformats.org/officeDocument/2006/relationships" xmlns:mc="http://schemas.openxmlformats.org/markup-compatibility/2006" xmlns:mv="urn:schemas-microsoft-com:mac:vml" xmlns:p="http://schemas.openxmlformats.org/presentationml/2006/main" xmlns:c="http://schemas.openxmlformats.org/drawingml/2006/chart" xmlns:dgm="http://schemas.openxmlformats.org/drawingml/2006/diagram" xmlns:o="urn:schemas-microsoft-com:office:office" xmlns:v="urn:schemas-microsoft-com:vml" xmlns:pvml="urn:schemas-microsoft-com:office:powerpoint" xmlns:com="http://schemas.openxmlformats.org/drawingml/2006/compatibility" xmlns:p14="http://schemas.microsoft.com/office/powerpoint/2010/main" xmlns:p15="http://schemas.microsoft.com/office/powerpoint/2012/main" xmlns:ahyp="http://schemas.microsoft.com/office/drawing/2018/hyperlinkcolor" showMasterPhAnim="0" showMasterSp="0">
+  <p:cSld>
+    <p:spTree>
+      <p:nvGrpSpPr>
+        <p:cNvPr id="219" name="Shape 219"/>
+        <p:cNvGrpSpPr/>
+        <p:nvPr/>
+      </p:nvGrpSpPr>
+      <p:grpSpPr>
+        <a:xfrm>
+          <a:off x="0" y="0"/>
+          <a:ext cx="0" cy="0"/>
+          <a:chOff x="0" y="0"/>
+          <a:chExt cx="0" cy="0"/>
+        </a:xfrm>
+      </p:grpSpPr>
+      <p:sp>
+        <p:nvSpPr>
+          <p:cNvPr id="220" name="Google Shape;220;g2b1afd8d105_1_140:notes"/>
           <p:cNvSpPr txBox="1"/>
           <p:nvPr>
             <p:ph idx="2" type="hdr"/>
@@ -957,7 +1058,7 @@
       </p:sp>
       <p:sp>
         <p:nvSpPr>
-          <p:cNvPr id="207" name="Google Shape;207;g2b1afd8d105_1_140:notes"/>
+          <p:cNvPr id="221" name="Google Shape;221;g2b1afd8d105_1_140:notes"/>
           <p:cNvSpPr txBox="1"/>
           <p:nvPr>
             <p:ph idx="10" type="dt"/>
@@ -1009,7 +1110,7 @@
       </p:sp>
       <p:sp>
         <p:nvSpPr>
-          <p:cNvPr id="208" name="Google Shape;208;g2b1afd8d105_1_140:notes"/>
+          <p:cNvPr id="222" name="Google Shape;222;g2b1afd8d105_1_140:notes"/>
           <p:cNvSpPr/>
           <p:nvPr>
             <p:ph idx="3" type="sldImg"/>
@@ -1054,7 +1155,7 @@
       </p:sp>
       <p:sp>
         <p:nvSpPr>
-          <p:cNvPr id="209" name="Google Shape;209;g2b1afd8d105_1_140:notes"/>
+          <p:cNvPr id="223" name="Google Shape;223;g2b1afd8d105_1_140:notes"/>
           <p:cNvSpPr txBox="1"/>
           <p:nvPr>
             <p:ph idx="1" type="body"/>
@@ -1097,7 +1198,7 @@
       </p:sp>
       <p:sp>
         <p:nvSpPr>
-          <p:cNvPr id="210" name="Google Shape;210;g2b1afd8d105_1_140:notes"/>
+          <p:cNvPr id="224" name="Google Shape;224;g2b1afd8d105_1_140:notes"/>
           <p:cNvSpPr txBox="1"/>
           <p:nvPr>
             <p:ph idx="11" type="ftr"/>
@@ -1140,7 +1241,7 @@
       </p:sp>
       <p:sp>
         <p:nvSpPr>
-          <p:cNvPr id="211" name="Google Shape;211;g2b1afd8d105_1_140:notes"/>
+          <p:cNvPr id="225" name="Google Shape;225;g2b1afd8d105_1_140:notes"/>
           <p:cNvSpPr txBox="1"/>
           <p:nvPr>
             <p:ph idx="12" type="sldNum"/>
@@ -1198,12 +1299,12 @@
 </p:notes>
 </file>
 
-<file path=ppt/notesSlides/notesSlide12.xml><?xml version="1.0" encoding="utf-8"?>
+<file path=ppt/notesSlides/notesSlide13.xml><?xml version="1.0" encoding="utf-8"?>
 <p:notes xmlns:a="http://schemas.openxmlformats.org/drawingml/2006/main" xmlns:r="http://schemas.openxmlformats.org/officeDocument/2006/relationships" xmlns:mc="http://schemas.openxmlformats.org/markup-compatibility/2006" xmlns:mv="urn:schemas-microsoft-com:mac:vml" xmlns:p="http://schemas.openxmlformats.org/presentationml/2006/main" xmlns:c="http://schemas.openxmlformats.org/drawingml/2006/chart" xmlns:dgm="http://schemas.openxmlformats.org/drawingml/2006/diagram" xmlns:o="urn:schemas-microsoft-com:office:office" xmlns:v="urn:schemas-microsoft-com:vml" xmlns:pvml="urn:schemas-microsoft-com:office:powerpoint" xmlns:com="http://schemas.openxmlformats.org/drawingml/2006/compatibility" xmlns:p14="http://schemas.microsoft.com/office/powerpoint/2010/main" xmlns:p15="http://schemas.microsoft.com/office/powerpoint/2012/main" xmlns:ahyp="http://schemas.microsoft.com/office/drawing/2018/hyperlinkcolor" showMasterPhAnim="0" showMasterSp="0">
   <p:cSld>
     <p:spTree>
       <p:nvGrpSpPr>
-        <p:cNvPr id="224" name="Shape 224"/>
+        <p:cNvPr id="238" name="Shape 238"/>
         <p:cNvGrpSpPr/>
         <p:nvPr/>
       </p:nvGrpSpPr>
@@ -1217,304 +1318,7 @@
       </p:grpSpPr>
       <p:sp>
         <p:nvSpPr>
-          <p:cNvPr id="225" name="Google Shape;225;g2b1afd8d105_1_157:notes"/>
-          <p:cNvSpPr txBox="1"/>
-          <p:nvPr>
-            <p:ph idx="1" type="body"/>
-          </p:nvPr>
-        </p:nvSpPr>
-        <p:spPr>
-          <a:xfrm>
-            <a:off x="914400" y="3251200"/>
-            <a:ext cx="7315200" cy="3081338"/>
-          </a:xfrm>
-          <a:prstGeom prst="rect">
-            <a:avLst/>
-          </a:prstGeom>
-        </p:spPr>
-        <p:txBody>
-          <a:bodyPr anchorCtr="0" anchor="t" bIns="91425" lIns="91425" spcFirstLastPara="1" rIns="91425" wrap="square" tIns="91425">
-            <a:noAutofit/>
-          </a:bodyPr>
-          <a:lstStyle/>
-          <a:p>
-            <a:pPr indent="0" lvl="0" marL="0" rtl="0" algn="l">
-              <a:spcBef>
-                <a:spcPts val="0"/>
-              </a:spcBef>
-              <a:spcAft>
-                <a:spcPts val="0"/>
-              </a:spcAft>
-              <a:buNone/>
-            </a:pPr>
-            <a:r>
-              <a:t/>
-            </a:r>
-            <a:endParaRPr/>
-          </a:p>
-        </p:txBody>
-      </p:sp>
-      <p:sp>
-        <p:nvSpPr>
-          <p:cNvPr id="226" name="Google Shape;226;g2b1afd8d105_1_157:notes"/>
-          <p:cNvSpPr/>
-          <p:nvPr>
-            <p:ph idx="2" type="sldImg"/>
-          </p:nvPr>
-        </p:nvSpPr>
-        <p:spPr>
-          <a:xfrm>
-            <a:off x="2857500" y="512763"/>
-            <a:ext cx="3429000" cy="2566987"/>
-          </a:xfrm>
-          <a:custGeom>
-            <a:rect b="b" l="l" r="r" t="t"/>
-            <a:pathLst>
-              <a:path extrusionOk="0" h="120000" w="120000">
-                <a:moveTo>
-                  <a:pt x="0" y="0"/>
-                </a:moveTo>
-                <a:lnTo>
-                  <a:pt x="120000" y="0"/>
-                </a:lnTo>
-                <a:lnTo>
-                  <a:pt x="120000" y="120000"/>
-                </a:lnTo>
-                <a:lnTo>
-                  <a:pt x="0" y="120000"/>
-                </a:lnTo>
-                <a:close/>
-              </a:path>
-            </a:pathLst>
-          </a:custGeom>
-        </p:spPr>
-      </p:sp>
-    </p:spTree>
-  </p:cSld>
-  <p:clrMapOvr>
-    <a:masterClrMapping/>
-  </p:clrMapOvr>
-</p:notes>
-</file>
-
-<file path=ppt/notesSlides/notesSlide2.xml><?xml version="1.0" encoding="utf-8"?>
-<p:notes xmlns:a="http://schemas.openxmlformats.org/drawingml/2006/main" xmlns:r="http://schemas.openxmlformats.org/officeDocument/2006/relationships" xmlns:mc="http://schemas.openxmlformats.org/markup-compatibility/2006" xmlns:mv="urn:schemas-microsoft-com:mac:vml" xmlns:p="http://schemas.openxmlformats.org/presentationml/2006/main" xmlns:c="http://schemas.openxmlformats.org/drawingml/2006/chart" xmlns:dgm="http://schemas.openxmlformats.org/drawingml/2006/diagram" xmlns:o="urn:schemas-microsoft-com:office:office" xmlns:v="urn:schemas-microsoft-com:vml" xmlns:pvml="urn:schemas-microsoft-com:office:powerpoint" xmlns:com="http://schemas.openxmlformats.org/drawingml/2006/compatibility" xmlns:p14="http://schemas.microsoft.com/office/powerpoint/2010/main" xmlns:p15="http://schemas.microsoft.com/office/powerpoint/2012/main" xmlns:ahyp="http://schemas.microsoft.com/office/drawing/2018/hyperlinkcolor" showMasterPhAnim="0" showMasterSp="0">
-  <p:cSld>
-    <p:spTree>
-      <p:nvGrpSpPr>
-        <p:cNvPr id="56" name="Shape 56"/>
-        <p:cNvGrpSpPr/>
-        <p:nvPr/>
-      </p:nvGrpSpPr>
-      <p:grpSpPr>
-        <a:xfrm>
-          <a:off x="0" y="0"/>
-          <a:ext cx="0" cy="0"/>
-          <a:chOff x="0" y="0"/>
-          <a:chExt cx="0" cy="0"/>
-        </a:xfrm>
-      </p:grpSpPr>
-      <p:sp>
-        <p:nvSpPr>
-          <p:cNvPr id="57" name="Google Shape;57;g2b1b2743e4b_0_264:notes"/>
-          <p:cNvSpPr/>
-          <p:nvPr>
-            <p:ph idx="2" type="sldImg"/>
-          </p:nvPr>
-        </p:nvSpPr>
-        <p:spPr>
-          <a:xfrm>
-            <a:off x="381300" y="685800"/>
-            <a:ext cx="6096000" cy="3429000"/>
-          </a:xfrm>
-          <a:custGeom>
-            <a:rect b="b" l="l" r="r" t="t"/>
-            <a:pathLst>
-              <a:path extrusionOk="0" h="120000" w="120000">
-                <a:moveTo>
-                  <a:pt x="0" y="0"/>
-                </a:moveTo>
-                <a:lnTo>
-                  <a:pt x="120000" y="0"/>
-                </a:lnTo>
-                <a:lnTo>
-                  <a:pt x="120000" y="120000"/>
-                </a:lnTo>
-                <a:lnTo>
-                  <a:pt x="0" y="120000"/>
-                </a:lnTo>
-                <a:close/>
-              </a:path>
-            </a:pathLst>
-          </a:custGeom>
-        </p:spPr>
-      </p:sp>
-      <p:sp>
-        <p:nvSpPr>
-          <p:cNvPr id="58" name="Google Shape;58;g2b1b2743e4b_0_264:notes"/>
-          <p:cNvSpPr txBox="1"/>
-          <p:nvPr>
-            <p:ph idx="1" type="body"/>
-          </p:nvPr>
-        </p:nvSpPr>
-        <p:spPr>
-          <a:xfrm>
-            <a:off x="685800" y="4343400"/>
-            <a:ext cx="5486400" cy="4114800"/>
-          </a:xfrm>
-          <a:prstGeom prst="rect">
-            <a:avLst/>
-          </a:prstGeom>
-        </p:spPr>
-        <p:txBody>
-          <a:bodyPr anchorCtr="0" anchor="t" bIns="91425" lIns="91425" spcFirstLastPara="1" rIns="91425" wrap="square" tIns="91425">
-            <a:noAutofit/>
-          </a:bodyPr>
-          <a:lstStyle/>
-          <a:p>
-            <a:pPr indent="0" lvl="0" marL="0" rtl="0" algn="l">
-              <a:spcBef>
-                <a:spcPts val="0"/>
-              </a:spcBef>
-              <a:spcAft>
-                <a:spcPts val="0"/>
-              </a:spcAft>
-              <a:buNone/>
-            </a:pPr>
-            <a:r>
-              <a:t/>
-            </a:r>
-            <a:endParaRPr/>
-          </a:p>
-        </p:txBody>
-      </p:sp>
-    </p:spTree>
-  </p:cSld>
-  <p:clrMapOvr>
-    <a:masterClrMapping/>
-  </p:clrMapOvr>
-</p:notes>
-</file>
-
-<file path=ppt/notesSlides/notesSlide3.xml><?xml version="1.0" encoding="utf-8"?>
-<p:notes xmlns:a="http://schemas.openxmlformats.org/drawingml/2006/main" xmlns:r="http://schemas.openxmlformats.org/officeDocument/2006/relationships" xmlns:mc="http://schemas.openxmlformats.org/markup-compatibility/2006" xmlns:mv="urn:schemas-microsoft-com:mac:vml" xmlns:p="http://schemas.openxmlformats.org/presentationml/2006/main" xmlns:c="http://schemas.openxmlformats.org/drawingml/2006/chart" xmlns:dgm="http://schemas.openxmlformats.org/drawingml/2006/diagram" xmlns:o="urn:schemas-microsoft-com:office:office" xmlns:v="urn:schemas-microsoft-com:vml" xmlns:pvml="urn:schemas-microsoft-com:office:powerpoint" xmlns:com="http://schemas.openxmlformats.org/drawingml/2006/compatibility" xmlns:p14="http://schemas.microsoft.com/office/powerpoint/2010/main" xmlns:p15="http://schemas.microsoft.com/office/powerpoint/2012/main" xmlns:ahyp="http://schemas.microsoft.com/office/drawing/2018/hyperlinkcolor" showMasterPhAnim="0" showMasterSp="0">
-  <p:cSld>
-    <p:spTree>
-      <p:nvGrpSpPr>
-        <p:cNvPr id="63" name="Shape 63"/>
-        <p:cNvGrpSpPr/>
-        <p:nvPr/>
-      </p:nvGrpSpPr>
-      <p:grpSpPr>
-        <a:xfrm>
-          <a:off x="0" y="0"/>
-          <a:ext cx="0" cy="0"/>
-          <a:chOff x="0" y="0"/>
-          <a:chExt cx="0" cy="0"/>
-        </a:xfrm>
-      </p:grpSpPr>
-      <p:sp>
-        <p:nvSpPr>
-          <p:cNvPr id="64" name="Google Shape;64;g2b1afd8d105_1_80:notes"/>
-          <p:cNvSpPr txBox="1"/>
-          <p:nvPr>
-            <p:ph idx="1" type="body"/>
-          </p:nvPr>
-        </p:nvSpPr>
-        <p:spPr>
-          <a:xfrm>
-            <a:off x="914400" y="3251200"/>
-            <a:ext cx="7315200" cy="3081338"/>
-          </a:xfrm>
-          <a:prstGeom prst="rect">
-            <a:avLst/>
-          </a:prstGeom>
-        </p:spPr>
-        <p:txBody>
-          <a:bodyPr anchorCtr="0" anchor="t" bIns="91425" lIns="91425" spcFirstLastPara="1" rIns="91425" wrap="square" tIns="91425">
-            <a:noAutofit/>
-          </a:bodyPr>
-          <a:lstStyle/>
-          <a:p>
-            <a:pPr indent="0" lvl="0" marL="0" rtl="0" algn="l">
-              <a:spcBef>
-                <a:spcPts val="0"/>
-              </a:spcBef>
-              <a:spcAft>
-                <a:spcPts val="0"/>
-              </a:spcAft>
-              <a:buNone/>
-            </a:pPr>
-            <a:r>
-              <a:t/>
-            </a:r>
-            <a:endParaRPr/>
-          </a:p>
-        </p:txBody>
-      </p:sp>
-      <p:sp>
-        <p:nvSpPr>
-          <p:cNvPr id="65" name="Google Shape;65;g2b1afd8d105_1_80:notes"/>
-          <p:cNvSpPr/>
-          <p:nvPr>
-            <p:ph idx="2" type="sldImg"/>
-          </p:nvPr>
-        </p:nvSpPr>
-        <p:spPr>
-          <a:xfrm>
-            <a:off x="2857500" y="512763"/>
-            <a:ext cx="3429000" cy="2566987"/>
-          </a:xfrm>
-          <a:custGeom>
-            <a:rect b="b" l="l" r="r" t="t"/>
-            <a:pathLst>
-              <a:path extrusionOk="0" h="120000" w="120000">
-                <a:moveTo>
-                  <a:pt x="0" y="0"/>
-                </a:moveTo>
-                <a:lnTo>
-                  <a:pt x="120000" y="0"/>
-                </a:lnTo>
-                <a:lnTo>
-                  <a:pt x="120000" y="120000"/>
-                </a:lnTo>
-                <a:lnTo>
-                  <a:pt x="0" y="120000"/>
-                </a:lnTo>
-                <a:close/>
-              </a:path>
-            </a:pathLst>
-          </a:custGeom>
-        </p:spPr>
-      </p:sp>
-    </p:spTree>
-  </p:cSld>
-  <p:clrMapOvr>
-    <a:masterClrMapping/>
-  </p:clrMapOvr>
-</p:notes>
-</file>
-
-<file path=ppt/notesSlides/notesSlide4.xml><?xml version="1.0" encoding="utf-8"?>
-<p:notes xmlns:a="http://schemas.openxmlformats.org/drawingml/2006/main" xmlns:r="http://schemas.openxmlformats.org/officeDocument/2006/relationships" xmlns:mc="http://schemas.openxmlformats.org/markup-compatibility/2006" xmlns:mv="urn:schemas-microsoft-com:mac:vml" xmlns:p="http://schemas.openxmlformats.org/presentationml/2006/main" xmlns:c="http://schemas.openxmlformats.org/drawingml/2006/chart" xmlns:dgm="http://schemas.openxmlformats.org/drawingml/2006/diagram" xmlns:o="urn:schemas-microsoft-com:office:office" xmlns:v="urn:schemas-microsoft-com:vml" xmlns:pvml="urn:schemas-microsoft-com:office:powerpoint" xmlns:com="http://schemas.openxmlformats.org/drawingml/2006/compatibility" xmlns:p14="http://schemas.microsoft.com/office/powerpoint/2010/main" xmlns:p15="http://schemas.microsoft.com/office/powerpoint/2012/main" xmlns:ahyp="http://schemas.microsoft.com/office/drawing/2018/hyperlinkcolor" showMasterPhAnim="0" showMasterSp="0">
-  <p:cSld>
-    <p:spTree>
-      <p:nvGrpSpPr>
-        <p:cNvPr id="112" name="Shape 112"/>
-        <p:cNvGrpSpPr/>
-        <p:nvPr/>
-      </p:nvGrpSpPr>
-      <p:grpSpPr>
-        <a:xfrm>
-          <a:off x="0" y="0"/>
-          <a:ext cx="0" cy="0"/>
-          <a:chOff x="0" y="0"/>
-          <a:chExt cx="0" cy="0"/>
-        </a:xfrm>
-      </p:grpSpPr>
-      <p:sp>
-        <p:nvSpPr>
-          <p:cNvPr id="113" name="Google Shape;113;g2b1b2743e4b_0_357:notes"/>
+          <p:cNvPr id="239" name="Google Shape;239;g2b2adb9f388_0_16:notes"/>
           <p:cNvSpPr txBox="1"/>
           <p:nvPr>
             <p:ph idx="2" type="hdr"/>
@@ -1557,7 +1361,7 @@
       </p:sp>
       <p:sp>
         <p:nvSpPr>
-          <p:cNvPr id="114" name="Google Shape;114;g2b1b2743e4b_0_357:notes"/>
+          <p:cNvPr id="240" name="Google Shape;240;g2b2adb9f388_0_16:notes"/>
           <p:cNvSpPr txBox="1"/>
           <p:nvPr>
             <p:ph idx="10" type="dt"/>
@@ -1609,7 +1413,7 @@
       </p:sp>
       <p:sp>
         <p:nvSpPr>
-          <p:cNvPr id="115" name="Google Shape;115;g2b1b2743e4b_0_357:notes"/>
+          <p:cNvPr id="241" name="Google Shape;241;g2b2adb9f388_0_16:notes"/>
           <p:cNvSpPr/>
           <p:nvPr>
             <p:ph idx="3" type="sldImg"/>
@@ -1654,7 +1458,7 @@
       </p:sp>
       <p:sp>
         <p:nvSpPr>
-          <p:cNvPr id="116" name="Google Shape;116;g2b1b2743e4b_0_357:notes"/>
+          <p:cNvPr id="242" name="Google Shape;242;g2b2adb9f388_0_16:notes"/>
           <p:cNvSpPr txBox="1"/>
           <p:nvPr>
             <p:ph idx="1" type="body"/>
@@ -1697,7 +1501,7 @@
       </p:sp>
       <p:sp>
         <p:nvSpPr>
-          <p:cNvPr id="117" name="Google Shape;117;g2b1b2743e4b_0_357:notes"/>
+          <p:cNvPr id="243" name="Google Shape;243;g2b2adb9f388_0_16:notes"/>
           <p:cNvSpPr txBox="1"/>
           <p:nvPr>
             <p:ph idx="11" type="ftr"/>
@@ -1740,7 +1544,7 @@
       </p:sp>
       <p:sp>
         <p:nvSpPr>
-          <p:cNvPr id="118" name="Google Shape;118;g2b1b2743e4b_0_357:notes"/>
+          <p:cNvPr id="244" name="Google Shape;244;g2b2adb9f388_0_16:notes"/>
           <p:cNvSpPr txBox="1"/>
           <p:nvPr>
             <p:ph idx="12" type="sldNum"/>
@@ -1798,12 +1602,12 @@
 </p:notes>
 </file>
 
-<file path=ppt/notesSlides/notesSlide5.xml><?xml version="1.0" encoding="utf-8"?>
+<file path=ppt/notesSlides/notesSlide14.xml><?xml version="1.0" encoding="utf-8"?>
 <p:notes xmlns:a="http://schemas.openxmlformats.org/drawingml/2006/main" xmlns:r="http://schemas.openxmlformats.org/officeDocument/2006/relationships" xmlns:mc="http://schemas.openxmlformats.org/markup-compatibility/2006" xmlns:mv="urn:schemas-microsoft-com:mac:vml" xmlns:p="http://schemas.openxmlformats.org/presentationml/2006/main" xmlns:c="http://schemas.openxmlformats.org/drawingml/2006/chart" xmlns:dgm="http://schemas.openxmlformats.org/drawingml/2006/diagram" xmlns:o="urn:schemas-microsoft-com:office:office" xmlns:v="urn:schemas-microsoft-com:vml" xmlns:pvml="urn:schemas-microsoft-com:office:powerpoint" xmlns:com="http://schemas.openxmlformats.org/drawingml/2006/compatibility" xmlns:p14="http://schemas.microsoft.com/office/powerpoint/2010/main" xmlns:p15="http://schemas.microsoft.com/office/powerpoint/2012/main" xmlns:ahyp="http://schemas.microsoft.com/office/drawing/2018/hyperlinkcolor" showMasterPhAnim="0" showMasterSp="0">
   <p:cSld>
     <p:spTree>
       <p:nvGrpSpPr>
-        <p:cNvPr id="127" name="Shape 127"/>
+        <p:cNvPr id="249" name="Shape 249"/>
         <p:cNvGrpSpPr/>
         <p:nvPr/>
       </p:nvGrpSpPr>
@@ -1817,7 +1621,304 @@
       </p:grpSpPr>
       <p:sp>
         <p:nvSpPr>
-          <p:cNvPr id="128" name="Google Shape;128;g2b1b2743e4b_0_378:notes"/>
+          <p:cNvPr id="250" name="Google Shape;250;g2b1afd8d105_1_157:notes"/>
+          <p:cNvSpPr txBox="1"/>
+          <p:nvPr>
+            <p:ph idx="1" type="body"/>
+          </p:nvPr>
+        </p:nvSpPr>
+        <p:spPr>
+          <a:xfrm>
+            <a:off x="914400" y="3251200"/>
+            <a:ext cx="7315200" cy="3081338"/>
+          </a:xfrm>
+          <a:prstGeom prst="rect">
+            <a:avLst/>
+          </a:prstGeom>
+        </p:spPr>
+        <p:txBody>
+          <a:bodyPr anchorCtr="0" anchor="t" bIns="91425" lIns="91425" spcFirstLastPara="1" rIns="91425" wrap="square" tIns="91425">
+            <a:noAutofit/>
+          </a:bodyPr>
+          <a:lstStyle/>
+          <a:p>
+            <a:pPr indent="0" lvl="0" marL="0" rtl="0" algn="l">
+              <a:spcBef>
+                <a:spcPts val="0"/>
+              </a:spcBef>
+              <a:spcAft>
+                <a:spcPts val="0"/>
+              </a:spcAft>
+              <a:buNone/>
+            </a:pPr>
+            <a:r>
+              <a:t/>
+            </a:r>
+            <a:endParaRPr/>
+          </a:p>
+        </p:txBody>
+      </p:sp>
+      <p:sp>
+        <p:nvSpPr>
+          <p:cNvPr id="251" name="Google Shape;251;g2b1afd8d105_1_157:notes"/>
+          <p:cNvSpPr/>
+          <p:nvPr>
+            <p:ph idx="2" type="sldImg"/>
+          </p:nvPr>
+        </p:nvSpPr>
+        <p:spPr>
+          <a:xfrm>
+            <a:off x="2857500" y="512763"/>
+            <a:ext cx="3429000" cy="2566987"/>
+          </a:xfrm>
+          <a:custGeom>
+            <a:rect b="b" l="l" r="r" t="t"/>
+            <a:pathLst>
+              <a:path extrusionOk="0" h="120000" w="120000">
+                <a:moveTo>
+                  <a:pt x="0" y="0"/>
+                </a:moveTo>
+                <a:lnTo>
+                  <a:pt x="120000" y="0"/>
+                </a:lnTo>
+                <a:lnTo>
+                  <a:pt x="120000" y="120000"/>
+                </a:lnTo>
+                <a:lnTo>
+                  <a:pt x="0" y="120000"/>
+                </a:lnTo>
+                <a:close/>
+              </a:path>
+            </a:pathLst>
+          </a:custGeom>
+        </p:spPr>
+      </p:sp>
+    </p:spTree>
+  </p:cSld>
+  <p:clrMapOvr>
+    <a:masterClrMapping/>
+  </p:clrMapOvr>
+</p:notes>
+</file>
+
+<file path=ppt/notesSlides/notesSlide2.xml><?xml version="1.0" encoding="utf-8"?>
+<p:notes xmlns:a="http://schemas.openxmlformats.org/drawingml/2006/main" xmlns:r="http://schemas.openxmlformats.org/officeDocument/2006/relationships" xmlns:mc="http://schemas.openxmlformats.org/markup-compatibility/2006" xmlns:mv="urn:schemas-microsoft-com:mac:vml" xmlns:p="http://schemas.openxmlformats.org/presentationml/2006/main" xmlns:c="http://schemas.openxmlformats.org/drawingml/2006/chart" xmlns:dgm="http://schemas.openxmlformats.org/drawingml/2006/diagram" xmlns:o="urn:schemas-microsoft-com:office:office" xmlns:v="urn:schemas-microsoft-com:vml" xmlns:pvml="urn:schemas-microsoft-com:office:powerpoint" xmlns:com="http://schemas.openxmlformats.org/drawingml/2006/compatibility" xmlns:p14="http://schemas.microsoft.com/office/powerpoint/2010/main" xmlns:p15="http://schemas.microsoft.com/office/powerpoint/2012/main" xmlns:ahyp="http://schemas.microsoft.com/office/drawing/2018/hyperlinkcolor" showMasterPhAnim="0" showMasterSp="0">
+  <p:cSld>
+    <p:spTree>
+      <p:nvGrpSpPr>
+        <p:cNvPr id="56" name="Shape 56"/>
+        <p:cNvGrpSpPr/>
+        <p:nvPr/>
+      </p:nvGrpSpPr>
+      <p:grpSpPr>
+        <a:xfrm>
+          <a:off x="0" y="0"/>
+          <a:ext cx="0" cy="0"/>
+          <a:chOff x="0" y="0"/>
+          <a:chExt cx="0" cy="0"/>
+        </a:xfrm>
+      </p:grpSpPr>
+      <p:sp>
+        <p:nvSpPr>
+          <p:cNvPr id="57" name="Google Shape;57;g2b1b2743e4b_0_264:notes"/>
+          <p:cNvSpPr/>
+          <p:nvPr>
+            <p:ph idx="2" type="sldImg"/>
+          </p:nvPr>
+        </p:nvSpPr>
+        <p:spPr>
+          <a:xfrm>
+            <a:off x="381300" y="685800"/>
+            <a:ext cx="6096000" cy="3429000"/>
+          </a:xfrm>
+          <a:custGeom>
+            <a:rect b="b" l="l" r="r" t="t"/>
+            <a:pathLst>
+              <a:path extrusionOk="0" h="120000" w="120000">
+                <a:moveTo>
+                  <a:pt x="0" y="0"/>
+                </a:moveTo>
+                <a:lnTo>
+                  <a:pt x="120000" y="0"/>
+                </a:lnTo>
+                <a:lnTo>
+                  <a:pt x="120000" y="120000"/>
+                </a:lnTo>
+                <a:lnTo>
+                  <a:pt x="0" y="120000"/>
+                </a:lnTo>
+                <a:close/>
+              </a:path>
+            </a:pathLst>
+          </a:custGeom>
+        </p:spPr>
+      </p:sp>
+      <p:sp>
+        <p:nvSpPr>
+          <p:cNvPr id="58" name="Google Shape;58;g2b1b2743e4b_0_264:notes"/>
+          <p:cNvSpPr txBox="1"/>
+          <p:nvPr>
+            <p:ph idx="1" type="body"/>
+          </p:nvPr>
+        </p:nvSpPr>
+        <p:spPr>
+          <a:xfrm>
+            <a:off x="685800" y="4343400"/>
+            <a:ext cx="5486400" cy="4114800"/>
+          </a:xfrm>
+          <a:prstGeom prst="rect">
+            <a:avLst/>
+          </a:prstGeom>
+        </p:spPr>
+        <p:txBody>
+          <a:bodyPr anchorCtr="0" anchor="t" bIns="91425" lIns="91425" spcFirstLastPara="1" rIns="91425" wrap="square" tIns="91425">
+            <a:noAutofit/>
+          </a:bodyPr>
+          <a:lstStyle/>
+          <a:p>
+            <a:pPr indent="0" lvl="0" marL="0" rtl="0" algn="l">
+              <a:spcBef>
+                <a:spcPts val="0"/>
+              </a:spcBef>
+              <a:spcAft>
+                <a:spcPts val="0"/>
+              </a:spcAft>
+              <a:buNone/>
+            </a:pPr>
+            <a:r>
+              <a:t/>
+            </a:r>
+            <a:endParaRPr/>
+          </a:p>
+        </p:txBody>
+      </p:sp>
+    </p:spTree>
+  </p:cSld>
+  <p:clrMapOvr>
+    <a:masterClrMapping/>
+  </p:clrMapOvr>
+</p:notes>
+</file>
+
+<file path=ppt/notesSlides/notesSlide3.xml><?xml version="1.0" encoding="utf-8"?>
+<p:notes xmlns:a="http://schemas.openxmlformats.org/drawingml/2006/main" xmlns:r="http://schemas.openxmlformats.org/officeDocument/2006/relationships" xmlns:mc="http://schemas.openxmlformats.org/markup-compatibility/2006" xmlns:mv="urn:schemas-microsoft-com:mac:vml" xmlns:p="http://schemas.openxmlformats.org/presentationml/2006/main" xmlns:c="http://schemas.openxmlformats.org/drawingml/2006/chart" xmlns:dgm="http://schemas.openxmlformats.org/drawingml/2006/diagram" xmlns:o="urn:schemas-microsoft-com:office:office" xmlns:v="urn:schemas-microsoft-com:vml" xmlns:pvml="urn:schemas-microsoft-com:office:powerpoint" xmlns:com="http://schemas.openxmlformats.org/drawingml/2006/compatibility" xmlns:p14="http://schemas.microsoft.com/office/powerpoint/2010/main" xmlns:p15="http://schemas.microsoft.com/office/powerpoint/2012/main" xmlns:ahyp="http://schemas.microsoft.com/office/drawing/2018/hyperlinkcolor" showMasterPhAnim="0" showMasterSp="0">
+  <p:cSld>
+    <p:spTree>
+      <p:nvGrpSpPr>
+        <p:cNvPr id="63" name="Shape 63"/>
+        <p:cNvGrpSpPr/>
+        <p:nvPr/>
+      </p:nvGrpSpPr>
+      <p:grpSpPr>
+        <a:xfrm>
+          <a:off x="0" y="0"/>
+          <a:ext cx="0" cy="0"/>
+          <a:chOff x="0" y="0"/>
+          <a:chExt cx="0" cy="0"/>
+        </a:xfrm>
+      </p:grpSpPr>
+      <p:sp>
+        <p:nvSpPr>
+          <p:cNvPr id="64" name="Google Shape;64;g2b1afd8d105_1_80:notes"/>
+          <p:cNvSpPr txBox="1"/>
+          <p:nvPr>
+            <p:ph idx="1" type="body"/>
+          </p:nvPr>
+        </p:nvSpPr>
+        <p:spPr>
+          <a:xfrm>
+            <a:off x="914400" y="3251200"/>
+            <a:ext cx="7315200" cy="3081338"/>
+          </a:xfrm>
+          <a:prstGeom prst="rect">
+            <a:avLst/>
+          </a:prstGeom>
+        </p:spPr>
+        <p:txBody>
+          <a:bodyPr anchorCtr="0" anchor="t" bIns="91425" lIns="91425" spcFirstLastPara="1" rIns="91425" wrap="square" tIns="91425">
+            <a:noAutofit/>
+          </a:bodyPr>
+          <a:lstStyle/>
+          <a:p>
+            <a:pPr indent="0" lvl="0" marL="0" rtl="0" algn="l">
+              <a:spcBef>
+                <a:spcPts val="0"/>
+              </a:spcBef>
+              <a:spcAft>
+                <a:spcPts val="0"/>
+              </a:spcAft>
+              <a:buNone/>
+            </a:pPr>
+            <a:r>
+              <a:t/>
+            </a:r>
+            <a:endParaRPr/>
+          </a:p>
+        </p:txBody>
+      </p:sp>
+      <p:sp>
+        <p:nvSpPr>
+          <p:cNvPr id="65" name="Google Shape;65;g2b1afd8d105_1_80:notes"/>
+          <p:cNvSpPr/>
+          <p:nvPr>
+            <p:ph idx="2" type="sldImg"/>
+          </p:nvPr>
+        </p:nvSpPr>
+        <p:spPr>
+          <a:xfrm>
+            <a:off x="2857500" y="512763"/>
+            <a:ext cx="3429000" cy="2566987"/>
+          </a:xfrm>
+          <a:custGeom>
+            <a:rect b="b" l="l" r="r" t="t"/>
+            <a:pathLst>
+              <a:path extrusionOk="0" h="120000" w="120000">
+                <a:moveTo>
+                  <a:pt x="0" y="0"/>
+                </a:moveTo>
+                <a:lnTo>
+                  <a:pt x="120000" y="0"/>
+                </a:lnTo>
+                <a:lnTo>
+                  <a:pt x="120000" y="120000"/>
+                </a:lnTo>
+                <a:lnTo>
+                  <a:pt x="0" y="120000"/>
+                </a:lnTo>
+                <a:close/>
+              </a:path>
+            </a:pathLst>
+          </a:custGeom>
+        </p:spPr>
+      </p:sp>
+    </p:spTree>
+  </p:cSld>
+  <p:clrMapOvr>
+    <a:masterClrMapping/>
+  </p:clrMapOvr>
+</p:notes>
+</file>
+
+<file path=ppt/notesSlides/notesSlide4.xml><?xml version="1.0" encoding="utf-8"?>
+<p:notes xmlns:a="http://schemas.openxmlformats.org/drawingml/2006/main" xmlns:r="http://schemas.openxmlformats.org/officeDocument/2006/relationships" xmlns:mc="http://schemas.openxmlformats.org/markup-compatibility/2006" xmlns:mv="urn:schemas-microsoft-com:mac:vml" xmlns:p="http://schemas.openxmlformats.org/presentationml/2006/main" xmlns:c="http://schemas.openxmlformats.org/drawingml/2006/chart" xmlns:dgm="http://schemas.openxmlformats.org/drawingml/2006/diagram" xmlns:o="urn:schemas-microsoft-com:office:office" xmlns:v="urn:schemas-microsoft-com:vml" xmlns:pvml="urn:schemas-microsoft-com:office:powerpoint" xmlns:com="http://schemas.openxmlformats.org/drawingml/2006/compatibility" xmlns:p14="http://schemas.microsoft.com/office/powerpoint/2010/main" xmlns:p15="http://schemas.microsoft.com/office/powerpoint/2012/main" xmlns:ahyp="http://schemas.microsoft.com/office/drawing/2018/hyperlinkcolor" showMasterPhAnim="0" showMasterSp="0">
+  <p:cSld>
+    <p:spTree>
+      <p:nvGrpSpPr>
+        <p:cNvPr id="112" name="Shape 112"/>
+        <p:cNvGrpSpPr/>
+        <p:nvPr/>
+      </p:nvGrpSpPr>
+      <p:grpSpPr>
+        <a:xfrm>
+          <a:off x="0" y="0"/>
+          <a:ext cx="0" cy="0"/>
+          <a:chOff x="0" y="0"/>
+          <a:chExt cx="0" cy="0"/>
+        </a:xfrm>
+      </p:grpSpPr>
+      <p:sp>
+        <p:nvSpPr>
+          <p:cNvPr id="113" name="Google Shape;113;g2b1b2743e4b_0_357:notes"/>
           <p:cNvSpPr txBox="1"/>
           <p:nvPr>
             <p:ph idx="2" type="hdr"/>
@@ -1860,7 +1961,7 @@
       </p:sp>
       <p:sp>
         <p:nvSpPr>
-          <p:cNvPr id="129" name="Google Shape;129;g2b1b2743e4b_0_378:notes"/>
+          <p:cNvPr id="114" name="Google Shape;114;g2b1b2743e4b_0_357:notes"/>
           <p:cNvSpPr txBox="1"/>
           <p:nvPr>
             <p:ph idx="10" type="dt"/>
@@ -1912,7 +2013,7 @@
       </p:sp>
       <p:sp>
         <p:nvSpPr>
-          <p:cNvPr id="130" name="Google Shape;130;g2b1b2743e4b_0_378:notes"/>
+          <p:cNvPr id="115" name="Google Shape;115;g2b1b2743e4b_0_357:notes"/>
           <p:cNvSpPr/>
           <p:nvPr>
             <p:ph idx="3" type="sldImg"/>
@@ -1957,7 +2058,7 @@
       </p:sp>
       <p:sp>
         <p:nvSpPr>
-          <p:cNvPr id="131" name="Google Shape;131;g2b1b2743e4b_0_378:notes"/>
+          <p:cNvPr id="116" name="Google Shape;116;g2b1b2743e4b_0_357:notes"/>
           <p:cNvSpPr txBox="1"/>
           <p:nvPr>
             <p:ph idx="1" type="body"/>
@@ -2000,7 +2101,7 @@
       </p:sp>
       <p:sp>
         <p:nvSpPr>
-          <p:cNvPr id="132" name="Google Shape;132;g2b1b2743e4b_0_378:notes"/>
+          <p:cNvPr id="117" name="Google Shape;117;g2b1b2743e4b_0_357:notes"/>
           <p:cNvSpPr txBox="1"/>
           <p:nvPr>
             <p:ph idx="11" type="ftr"/>
@@ -2043,7 +2144,7 @@
       </p:sp>
       <p:sp>
         <p:nvSpPr>
-          <p:cNvPr id="133" name="Google Shape;133;g2b1b2743e4b_0_378:notes"/>
+          <p:cNvPr id="118" name="Google Shape;118;g2b1b2743e4b_0_357:notes"/>
           <p:cNvSpPr txBox="1"/>
           <p:nvPr>
             <p:ph idx="12" type="sldNum"/>
@@ -2101,12 +2202,12 @@
 </p:notes>
 </file>
 
-<file path=ppt/notesSlides/notesSlide6.xml><?xml version="1.0" encoding="utf-8"?>
+<file path=ppt/notesSlides/notesSlide5.xml><?xml version="1.0" encoding="utf-8"?>
 <p:notes xmlns:a="http://schemas.openxmlformats.org/drawingml/2006/main" xmlns:r="http://schemas.openxmlformats.org/officeDocument/2006/relationships" xmlns:mc="http://schemas.openxmlformats.org/markup-compatibility/2006" xmlns:mv="urn:schemas-microsoft-com:mac:vml" xmlns:p="http://schemas.openxmlformats.org/presentationml/2006/main" xmlns:c="http://schemas.openxmlformats.org/drawingml/2006/chart" xmlns:dgm="http://schemas.openxmlformats.org/drawingml/2006/diagram" xmlns:o="urn:schemas-microsoft-com:office:office" xmlns:v="urn:schemas-microsoft-com:vml" xmlns:pvml="urn:schemas-microsoft-com:office:powerpoint" xmlns:com="http://schemas.openxmlformats.org/drawingml/2006/compatibility" xmlns:p14="http://schemas.microsoft.com/office/powerpoint/2010/main" xmlns:p15="http://schemas.microsoft.com/office/powerpoint/2012/main" xmlns:ahyp="http://schemas.microsoft.com/office/drawing/2018/hyperlinkcolor" showMasterPhAnim="0" showMasterSp="0">
   <p:cSld>
     <p:spTree>
       <p:nvGrpSpPr>
-        <p:cNvPr id="137" name="Shape 137"/>
+        <p:cNvPr id="127" name="Shape 127"/>
         <p:cNvGrpSpPr/>
         <p:nvPr/>
       </p:nvGrpSpPr>
@@ -2120,7 +2221,7 @@
       </p:grpSpPr>
       <p:sp>
         <p:nvSpPr>
-          <p:cNvPr id="138" name="Google Shape;138;g2b1b2743e4b_0_310:notes"/>
+          <p:cNvPr id="128" name="Google Shape;128;g2b1b2743e4b_0_378:notes"/>
           <p:cNvSpPr txBox="1"/>
           <p:nvPr>
             <p:ph idx="2" type="hdr"/>
@@ -2163,7 +2264,7 @@
       </p:sp>
       <p:sp>
         <p:nvSpPr>
-          <p:cNvPr id="139" name="Google Shape;139;g2b1b2743e4b_0_310:notes"/>
+          <p:cNvPr id="129" name="Google Shape;129;g2b1b2743e4b_0_378:notes"/>
           <p:cNvSpPr txBox="1"/>
           <p:nvPr>
             <p:ph idx="10" type="dt"/>
@@ -2215,7 +2316,7 @@
       </p:sp>
       <p:sp>
         <p:nvSpPr>
-          <p:cNvPr id="140" name="Google Shape;140;g2b1b2743e4b_0_310:notes"/>
+          <p:cNvPr id="130" name="Google Shape;130;g2b1b2743e4b_0_378:notes"/>
           <p:cNvSpPr/>
           <p:nvPr>
             <p:ph idx="3" type="sldImg"/>
@@ -2260,7 +2361,7 @@
       </p:sp>
       <p:sp>
         <p:nvSpPr>
-          <p:cNvPr id="141" name="Google Shape;141;g2b1b2743e4b_0_310:notes"/>
+          <p:cNvPr id="131" name="Google Shape;131;g2b1b2743e4b_0_378:notes"/>
           <p:cNvSpPr txBox="1"/>
           <p:nvPr>
             <p:ph idx="1" type="body"/>
@@ -2303,7 +2404,7 @@
       </p:sp>
       <p:sp>
         <p:nvSpPr>
-          <p:cNvPr id="142" name="Google Shape;142;g2b1b2743e4b_0_310:notes"/>
+          <p:cNvPr id="132" name="Google Shape;132;g2b1b2743e4b_0_378:notes"/>
           <p:cNvSpPr txBox="1"/>
           <p:nvPr>
             <p:ph idx="11" type="ftr"/>
@@ -2346,7 +2447,7 @@
       </p:sp>
       <p:sp>
         <p:nvSpPr>
-          <p:cNvPr id="143" name="Google Shape;143;g2b1b2743e4b_0_310:notes"/>
+          <p:cNvPr id="133" name="Google Shape;133;g2b1b2743e4b_0_378:notes"/>
           <p:cNvSpPr txBox="1"/>
           <p:nvPr>
             <p:ph idx="12" type="sldNum"/>
@@ -2404,12 +2505,12 @@
 </p:notes>
 </file>
 
-<file path=ppt/notesSlides/notesSlide7.xml><?xml version="1.0" encoding="utf-8"?>
+<file path=ppt/notesSlides/notesSlide6.xml><?xml version="1.0" encoding="utf-8"?>
 <p:notes xmlns:a="http://schemas.openxmlformats.org/drawingml/2006/main" xmlns:r="http://schemas.openxmlformats.org/officeDocument/2006/relationships" xmlns:mc="http://schemas.openxmlformats.org/markup-compatibility/2006" xmlns:mv="urn:schemas-microsoft-com:mac:vml" xmlns:p="http://schemas.openxmlformats.org/presentationml/2006/main" xmlns:c="http://schemas.openxmlformats.org/drawingml/2006/chart" xmlns:dgm="http://schemas.openxmlformats.org/drawingml/2006/diagram" xmlns:o="urn:schemas-microsoft-com:office:office" xmlns:v="urn:schemas-microsoft-com:vml" xmlns:pvml="urn:schemas-microsoft-com:office:powerpoint" xmlns:com="http://schemas.openxmlformats.org/drawingml/2006/compatibility" xmlns:p14="http://schemas.microsoft.com/office/powerpoint/2010/main" xmlns:p15="http://schemas.microsoft.com/office/powerpoint/2012/main" xmlns:ahyp="http://schemas.microsoft.com/office/drawing/2018/hyperlinkcolor" showMasterPhAnim="0" showMasterSp="0">
   <p:cSld>
     <p:spTree>
       <p:nvGrpSpPr>
-        <p:cNvPr id="152" name="Shape 152"/>
+        <p:cNvPr id="137" name="Shape 137"/>
         <p:cNvGrpSpPr/>
         <p:nvPr/>
       </p:nvGrpSpPr>
@@ -2423,7 +2524,7 @@
       </p:grpSpPr>
       <p:sp>
         <p:nvSpPr>
-          <p:cNvPr id="153" name="Google Shape;153;g2b1b2743e4b_0_286:notes"/>
+          <p:cNvPr id="138" name="Google Shape;138;g2b2adb9f388_0_0:notes"/>
           <p:cNvSpPr txBox="1"/>
           <p:nvPr>
             <p:ph idx="2" type="hdr"/>
@@ -2466,7 +2567,7 @@
       </p:sp>
       <p:sp>
         <p:nvSpPr>
-          <p:cNvPr id="154" name="Google Shape;154;g2b1b2743e4b_0_286:notes"/>
+          <p:cNvPr id="139" name="Google Shape;139;g2b2adb9f388_0_0:notes"/>
           <p:cNvSpPr txBox="1"/>
           <p:nvPr>
             <p:ph idx="10" type="dt"/>
@@ -2518,7 +2619,7 @@
       </p:sp>
       <p:sp>
         <p:nvSpPr>
-          <p:cNvPr id="155" name="Google Shape;155;g2b1b2743e4b_0_286:notes"/>
+          <p:cNvPr id="140" name="Google Shape;140;g2b2adb9f388_0_0:notes"/>
           <p:cNvSpPr/>
           <p:nvPr>
             <p:ph idx="3" type="sldImg"/>
@@ -2563,7 +2664,7 @@
       </p:sp>
       <p:sp>
         <p:nvSpPr>
-          <p:cNvPr id="156" name="Google Shape;156;g2b1b2743e4b_0_286:notes"/>
+          <p:cNvPr id="141" name="Google Shape;141;g2b2adb9f388_0_0:notes"/>
           <p:cNvSpPr txBox="1"/>
           <p:nvPr>
             <p:ph idx="1" type="body"/>
@@ -2606,7 +2707,7 @@
       </p:sp>
       <p:sp>
         <p:nvSpPr>
-          <p:cNvPr id="157" name="Google Shape;157;g2b1b2743e4b_0_286:notes"/>
+          <p:cNvPr id="142" name="Google Shape;142;g2b2adb9f388_0_0:notes"/>
           <p:cNvSpPr txBox="1"/>
           <p:nvPr>
             <p:ph idx="11" type="ftr"/>
@@ -2649,7 +2750,7 @@
       </p:sp>
       <p:sp>
         <p:nvSpPr>
-          <p:cNvPr id="158" name="Google Shape;158;g2b1b2743e4b_0_286:notes"/>
+          <p:cNvPr id="143" name="Google Shape;143;g2b2adb9f388_0_0:notes"/>
           <p:cNvSpPr txBox="1"/>
           <p:nvPr>
             <p:ph idx="12" type="sldNum"/>
@@ -2707,12 +2808,12 @@
 </p:notes>
 </file>
 
-<file path=ppt/notesSlides/notesSlide8.xml><?xml version="1.0" encoding="utf-8"?>
+<file path=ppt/notesSlides/notesSlide7.xml><?xml version="1.0" encoding="utf-8"?>
 <p:notes xmlns:a="http://schemas.openxmlformats.org/drawingml/2006/main" xmlns:r="http://schemas.openxmlformats.org/officeDocument/2006/relationships" xmlns:mc="http://schemas.openxmlformats.org/markup-compatibility/2006" xmlns:mv="urn:schemas-microsoft-com:mac:vml" xmlns:p="http://schemas.openxmlformats.org/presentationml/2006/main" xmlns:c="http://schemas.openxmlformats.org/drawingml/2006/chart" xmlns:dgm="http://schemas.openxmlformats.org/drawingml/2006/diagram" xmlns:o="urn:schemas-microsoft-com:office:office" xmlns:v="urn:schemas-microsoft-com:vml" xmlns:pvml="urn:schemas-microsoft-com:office:powerpoint" xmlns:com="http://schemas.openxmlformats.org/drawingml/2006/compatibility" xmlns:p14="http://schemas.microsoft.com/office/powerpoint/2010/main" xmlns:p15="http://schemas.microsoft.com/office/powerpoint/2012/main" xmlns:ahyp="http://schemas.microsoft.com/office/drawing/2018/hyperlinkcolor" showMasterPhAnim="0" showMasterSp="0">
   <p:cSld>
     <p:spTree>
       <p:nvGrpSpPr>
-        <p:cNvPr id="168" name="Shape 168"/>
+        <p:cNvPr id="149" name="Shape 149"/>
         <p:cNvGrpSpPr/>
         <p:nvPr/>
       </p:nvGrpSpPr>
@@ -2726,7 +2827,7 @@
       </p:grpSpPr>
       <p:sp>
         <p:nvSpPr>
-          <p:cNvPr id="169" name="Google Shape;169;g2b1b2743e4b_0_323:notes"/>
+          <p:cNvPr id="150" name="Google Shape;150;g2b1b2743e4b_0_310:notes"/>
           <p:cNvSpPr txBox="1"/>
           <p:nvPr>
             <p:ph idx="2" type="hdr"/>
@@ -2769,7 +2870,7 @@
       </p:sp>
       <p:sp>
         <p:nvSpPr>
-          <p:cNvPr id="170" name="Google Shape;170;g2b1b2743e4b_0_323:notes"/>
+          <p:cNvPr id="151" name="Google Shape;151;g2b1b2743e4b_0_310:notes"/>
           <p:cNvSpPr txBox="1"/>
           <p:nvPr>
             <p:ph idx="10" type="dt"/>
@@ -2821,7 +2922,7 @@
       </p:sp>
       <p:sp>
         <p:nvSpPr>
-          <p:cNvPr id="171" name="Google Shape;171;g2b1b2743e4b_0_323:notes"/>
+          <p:cNvPr id="152" name="Google Shape;152;g2b1b2743e4b_0_310:notes"/>
           <p:cNvSpPr/>
           <p:nvPr>
             <p:ph idx="3" type="sldImg"/>
@@ -2866,7 +2967,7 @@
       </p:sp>
       <p:sp>
         <p:nvSpPr>
-          <p:cNvPr id="172" name="Google Shape;172;g2b1b2743e4b_0_323:notes"/>
+          <p:cNvPr id="153" name="Google Shape;153;g2b1b2743e4b_0_310:notes"/>
           <p:cNvSpPr txBox="1"/>
           <p:nvPr>
             <p:ph idx="1" type="body"/>
@@ -2909,7 +3010,7 @@
       </p:sp>
       <p:sp>
         <p:nvSpPr>
-          <p:cNvPr id="173" name="Google Shape;173;g2b1b2743e4b_0_323:notes"/>
+          <p:cNvPr id="154" name="Google Shape;154;g2b1b2743e4b_0_310:notes"/>
           <p:cNvSpPr txBox="1"/>
           <p:nvPr>
             <p:ph idx="11" type="ftr"/>
@@ -2952,7 +3053,7 @@
       </p:sp>
       <p:sp>
         <p:nvSpPr>
-          <p:cNvPr id="174" name="Google Shape;174;g2b1b2743e4b_0_323:notes"/>
+          <p:cNvPr id="155" name="Google Shape;155;g2b1b2743e4b_0_310:notes"/>
           <p:cNvSpPr txBox="1"/>
           <p:nvPr>
             <p:ph idx="12" type="sldNum"/>
@@ -3010,12 +3111,12 @@
 </p:notes>
 </file>
 
-<file path=ppt/notesSlides/notesSlide9.xml><?xml version="1.0" encoding="utf-8"?>
+<file path=ppt/notesSlides/notesSlide8.xml><?xml version="1.0" encoding="utf-8"?>
 <p:notes xmlns:a="http://schemas.openxmlformats.org/drawingml/2006/main" xmlns:r="http://schemas.openxmlformats.org/officeDocument/2006/relationships" xmlns:mc="http://schemas.openxmlformats.org/markup-compatibility/2006" xmlns:mv="urn:schemas-microsoft-com:mac:vml" xmlns:p="http://schemas.openxmlformats.org/presentationml/2006/main" xmlns:c="http://schemas.openxmlformats.org/drawingml/2006/chart" xmlns:dgm="http://schemas.openxmlformats.org/drawingml/2006/diagram" xmlns:o="urn:schemas-microsoft-com:office:office" xmlns:v="urn:schemas-microsoft-com:vml" xmlns:pvml="urn:schemas-microsoft-com:office:powerpoint" xmlns:com="http://schemas.openxmlformats.org/drawingml/2006/compatibility" xmlns:p14="http://schemas.microsoft.com/office/powerpoint/2010/main" xmlns:p15="http://schemas.microsoft.com/office/powerpoint/2012/main" xmlns:ahyp="http://schemas.microsoft.com/office/drawing/2018/hyperlinkcolor" showMasterPhAnim="0" showMasterSp="0">
   <p:cSld>
     <p:spTree>
       <p:nvGrpSpPr>
-        <p:cNvPr id="182" name="Shape 182"/>
+        <p:cNvPr id="164" name="Shape 164"/>
         <p:cNvGrpSpPr/>
         <p:nvPr/>
       </p:nvGrpSpPr>
@@ -3029,23 +3130,27 @@
       </p:grpSpPr>
       <p:sp>
         <p:nvSpPr>
-          <p:cNvPr id="183" name="Google Shape;183;g2b1afd8d105_1_128:notes"/>
+          <p:cNvPr id="165" name="Google Shape;165;g2b1b2743e4b_0_286:notes"/>
           <p:cNvSpPr txBox="1"/>
           <p:nvPr>
-            <p:ph idx="1" type="body"/>
+            <p:ph idx="2" type="hdr"/>
           </p:nvPr>
         </p:nvSpPr>
         <p:spPr>
           <a:xfrm>
-            <a:off x="914400" y="3251200"/>
-            <a:ext cx="7315200" cy="3081338"/>
+            <a:off x="0" y="0"/>
+            <a:ext cx="3962400" cy="342900"/>
           </a:xfrm>
           <a:prstGeom prst="rect">
             <a:avLst/>
           </a:prstGeom>
+          <a:noFill/>
+          <a:ln>
+            <a:noFill/>
+          </a:ln>
         </p:spPr>
         <p:txBody>
-          <a:bodyPr anchorCtr="0" anchor="t" bIns="91425" lIns="91425" spcFirstLastPara="1" rIns="91425" wrap="square" tIns="91425">
+          <a:bodyPr anchorCtr="0" anchor="t" bIns="45700" lIns="91425" spcFirstLastPara="1" rIns="91425" wrap="square" tIns="45700">
             <a:noAutofit/>
           </a:bodyPr>
           <a:lstStyle/>
@@ -3062,22 +3167,74 @@
             <a:r>
               <a:t/>
             </a:r>
+            <a:endParaRPr sz="1200"/>
+          </a:p>
+        </p:txBody>
+      </p:sp>
+      <p:sp>
+        <p:nvSpPr>
+          <p:cNvPr id="166" name="Google Shape;166;g2b1b2743e4b_0_286:notes"/>
+          <p:cNvSpPr txBox="1"/>
+          <p:nvPr>
+            <p:ph idx="10" type="dt"/>
+          </p:nvPr>
+        </p:nvSpPr>
+        <p:spPr>
+          <a:xfrm>
+            <a:off x="5180013" y="0"/>
+            <a:ext cx="3962400" cy="342900"/>
+          </a:xfrm>
+          <a:prstGeom prst="rect">
+            <a:avLst/>
+          </a:prstGeom>
+          <a:noFill/>
+          <a:ln>
+            <a:noFill/>
+          </a:ln>
+        </p:spPr>
+        <p:txBody>
+          <a:bodyPr anchorCtr="0" anchor="t" bIns="45700" lIns="91425" spcFirstLastPara="1" rIns="91425" wrap="square" tIns="45700">
+            <a:noAutofit/>
+          </a:bodyPr>
+          <a:lstStyle/>
+          <a:p>
+            <a:pPr indent="0" lvl="0" marL="0" rtl="0" algn="r">
+              <a:spcBef>
+                <a:spcPts val="0"/>
+              </a:spcBef>
+              <a:spcAft>
+                <a:spcPts val="0"/>
+              </a:spcAft>
+              <a:buNone/>
+            </a:pPr>
+            <a:r>
+              <a:rPr b="0" i="0" lang="en" sz="1200" u="none" cap="none" strike="noStrike">
+                <a:solidFill>
+                  <a:schemeClr val="dk1"/>
+                </a:solidFill>
+                <a:latin typeface="Calibri"/>
+                <a:ea typeface="Calibri"/>
+                <a:cs typeface="Calibri"/>
+                <a:sym typeface="Calibri"/>
+              </a:rPr>
+              <a:t>1.7.2013</a:t>
+            </a:r>
             <a:endParaRPr/>
           </a:p>
         </p:txBody>
       </p:sp>
       <p:sp>
         <p:nvSpPr>
-          <p:cNvPr id="184" name="Google Shape;184;g2b1afd8d105_1_128:notes"/>
+          <p:cNvPr id="167" name="Google Shape;167;g2b1b2743e4b_0_286:notes"/>
           <p:cNvSpPr/>
           <p:nvPr>
-            <p:ph idx="2" type="sldImg"/>
+            <p:ph idx="3" type="sldImg"/>
           </p:nvPr>
         </p:nvSpPr>
         <p:spPr>
           <a:xfrm>
             <a:off x="2857500" y="512763"/>
-            <a:ext cx="3429000" cy="2566987"/>
+            <a:ext cx="3429000" cy="2567100"/>
           </a:xfrm>
           <a:custGeom>
             <a:rect b="b" l="l" r="r" t="t"/>
@@ -3099,7 +3256,458 @@
               </a:path>
             </a:pathLst>
           </a:custGeom>
-        </p:spPr>
+          <a:noFill/>
+          <a:ln cap="flat" cmpd="sng" w="12700">
+            <a:solidFill>
+              <a:srgbClr val="000000"/>
+            </a:solidFill>
+            <a:prstDash val="solid"/>
+            <a:round/>
+            <a:headEnd len="sm" w="sm" type="none"/>
+            <a:tailEnd len="sm" w="sm" type="none"/>
+          </a:ln>
+        </p:spPr>
+      </p:sp>
+      <p:sp>
+        <p:nvSpPr>
+          <p:cNvPr id="168" name="Google Shape;168;g2b1b2743e4b_0_286:notes"/>
+          <p:cNvSpPr txBox="1"/>
+          <p:nvPr>
+            <p:ph idx="1" type="body"/>
+          </p:nvPr>
+        </p:nvSpPr>
+        <p:spPr>
+          <a:xfrm>
+            <a:off x="914400" y="3251200"/>
+            <a:ext cx="7315200" cy="3081300"/>
+          </a:xfrm>
+          <a:prstGeom prst="rect">
+            <a:avLst/>
+          </a:prstGeom>
+          <a:noFill/>
+          <a:ln>
+            <a:noFill/>
+          </a:ln>
+        </p:spPr>
+        <p:txBody>
+          <a:bodyPr anchorCtr="0" anchor="t" bIns="45700" lIns="91425" spcFirstLastPara="1" rIns="91425" wrap="square" tIns="45700">
+            <a:noAutofit/>
+          </a:bodyPr>
+          <a:lstStyle/>
+          <a:p>
+            <a:pPr indent="0" lvl="0" marL="0" rtl="0" algn="l">
+              <a:spcBef>
+                <a:spcPts val="0"/>
+              </a:spcBef>
+              <a:spcAft>
+                <a:spcPts val="0"/>
+              </a:spcAft>
+              <a:buNone/>
+            </a:pPr>
+            <a:r>
+              <a:t/>
+            </a:r>
+            <a:endParaRPr/>
+          </a:p>
+        </p:txBody>
+      </p:sp>
+      <p:sp>
+        <p:nvSpPr>
+          <p:cNvPr id="169" name="Google Shape;169;g2b1b2743e4b_0_286:notes"/>
+          <p:cNvSpPr txBox="1"/>
+          <p:nvPr>
+            <p:ph idx="11" type="ftr"/>
+          </p:nvPr>
+        </p:nvSpPr>
+        <p:spPr>
+          <a:xfrm>
+            <a:off x="0" y="6502400"/>
+            <a:ext cx="3962400" cy="341400"/>
+          </a:xfrm>
+          <a:prstGeom prst="rect">
+            <a:avLst/>
+          </a:prstGeom>
+          <a:noFill/>
+          <a:ln>
+            <a:noFill/>
+          </a:ln>
+        </p:spPr>
+        <p:txBody>
+          <a:bodyPr anchorCtr="0" anchor="b" bIns="45700" lIns="91425" spcFirstLastPara="1" rIns="91425" wrap="square" tIns="45700">
+            <a:noAutofit/>
+          </a:bodyPr>
+          <a:lstStyle/>
+          <a:p>
+            <a:pPr indent="0" lvl="0" marL="0" rtl="0" algn="l">
+              <a:spcBef>
+                <a:spcPts val="0"/>
+              </a:spcBef>
+              <a:spcAft>
+                <a:spcPts val="0"/>
+              </a:spcAft>
+              <a:buNone/>
+            </a:pPr>
+            <a:r>
+              <a:t/>
+            </a:r>
+            <a:endParaRPr sz="1200"/>
+          </a:p>
+        </p:txBody>
+      </p:sp>
+      <p:sp>
+        <p:nvSpPr>
+          <p:cNvPr id="170" name="Google Shape;170;g2b1b2743e4b_0_286:notes"/>
+          <p:cNvSpPr txBox="1"/>
+          <p:nvPr>
+            <p:ph idx="12" type="sldNum"/>
+          </p:nvPr>
+        </p:nvSpPr>
+        <p:spPr>
+          <a:xfrm>
+            <a:off x="5180013" y="6502400"/>
+            <a:ext cx="3962400" cy="341400"/>
+          </a:xfrm>
+          <a:prstGeom prst="rect">
+            <a:avLst/>
+          </a:prstGeom>
+          <a:noFill/>
+          <a:ln>
+            <a:noFill/>
+          </a:ln>
+        </p:spPr>
+        <p:txBody>
+          <a:bodyPr anchorCtr="0" anchor="b" bIns="45700" lIns="91425" spcFirstLastPara="1" rIns="91425" wrap="square" tIns="45700">
+            <a:noAutofit/>
+          </a:bodyPr>
+          <a:lstStyle/>
+          <a:p>
+            <a:pPr indent="0" lvl="0" marL="0" rtl="0" algn="r">
+              <a:spcBef>
+                <a:spcPts val="0"/>
+              </a:spcBef>
+              <a:spcAft>
+                <a:spcPts val="0"/>
+              </a:spcAft>
+              <a:buNone/>
+            </a:pPr>
+            <a:r>
+              <a:rPr b="0" i="0" lang="en" sz="1200" u="none" cap="none" strike="noStrike">
+                <a:solidFill>
+                  <a:schemeClr val="dk1"/>
+                </a:solidFill>
+                <a:latin typeface="Calibri"/>
+                <a:ea typeface="Calibri"/>
+                <a:cs typeface="Calibri"/>
+                <a:sym typeface="Calibri"/>
+              </a:rPr>
+              <a:t>‹#›</a:t>
+            </a:r>
+            <a:endParaRPr/>
+          </a:p>
+        </p:txBody>
+      </p:sp>
+    </p:spTree>
+  </p:cSld>
+  <p:clrMapOvr>
+    <a:masterClrMapping/>
+  </p:clrMapOvr>
+</p:notes>
+</file>
+
+<file path=ppt/notesSlides/notesSlide9.xml><?xml version="1.0" encoding="utf-8"?>
+<p:notes xmlns:a="http://schemas.openxmlformats.org/drawingml/2006/main" xmlns:r="http://schemas.openxmlformats.org/officeDocument/2006/relationships" xmlns:mc="http://schemas.openxmlformats.org/markup-compatibility/2006" xmlns:mv="urn:schemas-microsoft-com:mac:vml" xmlns:p="http://schemas.openxmlformats.org/presentationml/2006/main" xmlns:c="http://schemas.openxmlformats.org/drawingml/2006/chart" xmlns:dgm="http://schemas.openxmlformats.org/drawingml/2006/diagram" xmlns:o="urn:schemas-microsoft-com:office:office" xmlns:v="urn:schemas-microsoft-com:vml" xmlns:pvml="urn:schemas-microsoft-com:office:powerpoint" xmlns:com="http://schemas.openxmlformats.org/drawingml/2006/compatibility" xmlns:p14="http://schemas.microsoft.com/office/powerpoint/2010/main" xmlns:p15="http://schemas.microsoft.com/office/powerpoint/2012/main" xmlns:ahyp="http://schemas.microsoft.com/office/drawing/2018/hyperlinkcolor" showMasterPhAnim="0" showMasterSp="0">
+  <p:cSld>
+    <p:spTree>
+      <p:nvGrpSpPr>
+        <p:cNvPr id="180" name="Shape 180"/>
+        <p:cNvGrpSpPr/>
+        <p:nvPr/>
+      </p:nvGrpSpPr>
+      <p:grpSpPr>
+        <a:xfrm>
+          <a:off x="0" y="0"/>
+          <a:ext cx="0" cy="0"/>
+          <a:chOff x="0" y="0"/>
+          <a:chExt cx="0" cy="0"/>
+        </a:xfrm>
+      </p:grpSpPr>
+      <p:sp>
+        <p:nvSpPr>
+          <p:cNvPr id="181" name="Google Shape;181;g2b1b2743e4b_0_323:notes"/>
+          <p:cNvSpPr txBox="1"/>
+          <p:nvPr>
+            <p:ph idx="2" type="hdr"/>
+          </p:nvPr>
+        </p:nvSpPr>
+        <p:spPr>
+          <a:xfrm>
+            <a:off x="0" y="0"/>
+            <a:ext cx="3962400" cy="342900"/>
+          </a:xfrm>
+          <a:prstGeom prst="rect">
+            <a:avLst/>
+          </a:prstGeom>
+          <a:noFill/>
+          <a:ln>
+            <a:noFill/>
+          </a:ln>
+        </p:spPr>
+        <p:txBody>
+          <a:bodyPr anchorCtr="0" anchor="t" bIns="45700" lIns="91425" spcFirstLastPara="1" rIns="91425" wrap="square" tIns="45700">
+            <a:noAutofit/>
+          </a:bodyPr>
+          <a:lstStyle/>
+          <a:p>
+            <a:pPr indent="0" lvl="0" marL="0" rtl="0" algn="l">
+              <a:spcBef>
+                <a:spcPts val="0"/>
+              </a:spcBef>
+              <a:spcAft>
+                <a:spcPts val="0"/>
+              </a:spcAft>
+              <a:buNone/>
+            </a:pPr>
+            <a:r>
+              <a:t/>
+            </a:r>
+            <a:endParaRPr sz="1200"/>
+          </a:p>
+        </p:txBody>
+      </p:sp>
+      <p:sp>
+        <p:nvSpPr>
+          <p:cNvPr id="182" name="Google Shape;182;g2b1b2743e4b_0_323:notes"/>
+          <p:cNvSpPr txBox="1"/>
+          <p:nvPr>
+            <p:ph idx="10" type="dt"/>
+          </p:nvPr>
+        </p:nvSpPr>
+        <p:spPr>
+          <a:xfrm>
+            <a:off x="5180013" y="0"/>
+            <a:ext cx="3962400" cy="342900"/>
+          </a:xfrm>
+          <a:prstGeom prst="rect">
+            <a:avLst/>
+          </a:prstGeom>
+          <a:noFill/>
+          <a:ln>
+            <a:noFill/>
+          </a:ln>
+        </p:spPr>
+        <p:txBody>
+          <a:bodyPr anchorCtr="0" anchor="t" bIns="45700" lIns="91425" spcFirstLastPara="1" rIns="91425" wrap="square" tIns="45700">
+            <a:noAutofit/>
+          </a:bodyPr>
+          <a:lstStyle/>
+          <a:p>
+            <a:pPr indent="0" lvl="0" marL="0" rtl="0" algn="r">
+              <a:spcBef>
+                <a:spcPts val="0"/>
+              </a:spcBef>
+              <a:spcAft>
+                <a:spcPts val="0"/>
+              </a:spcAft>
+              <a:buNone/>
+            </a:pPr>
+            <a:r>
+              <a:rPr b="0" i="0" lang="en" sz="1200" u="none" cap="none" strike="noStrike">
+                <a:solidFill>
+                  <a:schemeClr val="dk1"/>
+                </a:solidFill>
+                <a:latin typeface="Calibri"/>
+                <a:ea typeface="Calibri"/>
+                <a:cs typeface="Calibri"/>
+                <a:sym typeface="Calibri"/>
+              </a:rPr>
+              <a:t>1.7.2013</a:t>
+            </a:r>
+            <a:endParaRPr/>
+          </a:p>
+        </p:txBody>
+      </p:sp>
+      <p:sp>
+        <p:nvSpPr>
+          <p:cNvPr id="183" name="Google Shape;183;g2b1b2743e4b_0_323:notes"/>
+          <p:cNvSpPr/>
+          <p:nvPr>
+            <p:ph idx="3" type="sldImg"/>
+          </p:nvPr>
+        </p:nvSpPr>
+        <p:spPr>
+          <a:xfrm>
+            <a:off x="2857500" y="512763"/>
+            <a:ext cx="3429000" cy="2567100"/>
+          </a:xfrm>
+          <a:custGeom>
+            <a:rect b="b" l="l" r="r" t="t"/>
+            <a:pathLst>
+              <a:path extrusionOk="0" h="120000" w="120000">
+                <a:moveTo>
+                  <a:pt x="0" y="0"/>
+                </a:moveTo>
+                <a:lnTo>
+                  <a:pt x="120000" y="0"/>
+                </a:lnTo>
+                <a:lnTo>
+                  <a:pt x="120000" y="120000"/>
+                </a:lnTo>
+                <a:lnTo>
+                  <a:pt x="0" y="120000"/>
+                </a:lnTo>
+                <a:close/>
+              </a:path>
+            </a:pathLst>
+          </a:custGeom>
+          <a:noFill/>
+          <a:ln cap="flat" cmpd="sng" w="12700">
+            <a:solidFill>
+              <a:srgbClr val="000000"/>
+            </a:solidFill>
+            <a:prstDash val="solid"/>
+            <a:round/>
+            <a:headEnd len="sm" w="sm" type="none"/>
+            <a:tailEnd len="sm" w="sm" type="none"/>
+          </a:ln>
+        </p:spPr>
+      </p:sp>
+      <p:sp>
+        <p:nvSpPr>
+          <p:cNvPr id="184" name="Google Shape;184;g2b1b2743e4b_0_323:notes"/>
+          <p:cNvSpPr txBox="1"/>
+          <p:nvPr>
+            <p:ph idx="1" type="body"/>
+          </p:nvPr>
+        </p:nvSpPr>
+        <p:spPr>
+          <a:xfrm>
+            <a:off x="914400" y="3251200"/>
+            <a:ext cx="7315200" cy="3081300"/>
+          </a:xfrm>
+          <a:prstGeom prst="rect">
+            <a:avLst/>
+          </a:prstGeom>
+          <a:noFill/>
+          <a:ln>
+            <a:noFill/>
+          </a:ln>
+        </p:spPr>
+        <p:txBody>
+          <a:bodyPr anchorCtr="0" anchor="t" bIns="45700" lIns="91425" spcFirstLastPara="1" rIns="91425" wrap="square" tIns="45700">
+            <a:noAutofit/>
+          </a:bodyPr>
+          <a:lstStyle/>
+          <a:p>
+            <a:pPr indent="0" lvl="0" marL="0" rtl="0" algn="l">
+              <a:spcBef>
+                <a:spcPts val="0"/>
+              </a:spcBef>
+              <a:spcAft>
+                <a:spcPts val="0"/>
+              </a:spcAft>
+              <a:buNone/>
+            </a:pPr>
+            <a:r>
+              <a:t/>
+            </a:r>
+            <a:endParaRPr/>
+          </a:p>
+        </p:txBody>
+      </p:sp>
+      <p:sp>
+        <p:nvSpPr>
+          <p:cNvPr id="185" name="Google Shape;185;g2b1b2743e4b_0_323:notes"/>
+          <p:cNvSpPr txBox="1"/>
+          <p:nvPr>
+            <p:ph idx="11" type="ftr"/>
+          </p:nvPr>
+        </p:nvSpPr>
+        <p:spPr>
+          <a:xfrm>
+            <a:off x="0" y="6502400"/>
+            <a:ext cx="3962400" cy="341400"/>
+          </a:xfrm>
+          <a:prstGeom prst="rect">
+            <a:avLst/>
+          </a:prstGeom>
+          <a:noFill/>
+          <a:ln>
+            <a:noFill/>
+          </a:ln>
+        </p:spPr>
+        <p:txBody>
+          <a:bodyPr anchorCtr="0" anchor="b" bIns="45700" lIns="91425" spcFirstLastPara="1" rIns="91425" wrap="square" tIns="45700">
+            <a:noAutofit/>
+          </a:bodyPr>
+          <a:lstStyle/>
+          <a:p>
+            <a:pPr indent="0" lvl="0" marL="0" rtl="0" algn="l">
+              <a:spcBef>
+                <a:spcPts val="0"/>
+              </a:spcBef>
+              <a:spcAft>
+                <a:spcPts val="0"/>
+              </a:spcAft>
+              <a:buNone/>
+            </a:pPr>
+            <a:r>
+              <a:t/>
+            </a:r>
+            <a:endParaRPr sz="1200"/>
+          </a:p>
+        </p:txBody>
+      </p:sp>
+      <p:sp>
+        <p:nvSpPr>
+          <p:cNvPr id="186" name="Google Shape;186;g2b1b2743e4b_0_323:notes"/>
+          <p:cNvSpPr txBox="1"/>
+          <p:nvPr>
+            <p:ph idx="12" type="sldNum"/>
+          </p:nvPr>
+        </p:nvSpPr>
+        <p:spPr>
+          <a:xfrm>
+            <a:off x="5180013" y="6502400"/>
+            <a:ext cx="3962400" cy="341400"/>
+          </a:xfrm>
+          <a:prstGeom prst="rect">
+            <a:avLst/>
+          </a:prstGeom>
+          <a:noFill/>
+          <a:ln>
+            <a:noFill/>
+          </a:ln>
+        </p:spPr>
+        <p:txBody>
+          <a:bodyPr anchorCtr="0" anchor="b" bIns="45700" lIns="91425" spcFirstLastPara="1" rIns="91425" wrap="square" tIns="45700">
+            <a:noAutofit/>
+          </a:bodyPr>
+          <a:lstStyle/>
+          <a:p>
+            <a:pPr indent="0" lvl="0" marL="0" rtl="0" algn="r">
+              <a:spcBef>
+                <a:spcPts val="0"/>
+              </a:spcBef>
+              <a:spcAft>
+                <a:spcPts val="0"/>
+              </a:spcAft>
+              <a:buNone/>
+            </a:pPr>
+            <a:r>
+              <a:rPr b="0" i="0" lang="en" sz="1200" u="none" cap="none" strike="noStrike">
+                <a:solidFill>
+                  <a:schemeClr val="dk1"/>
+                </a:solidFill>
+                <a:latin typeface="Calibri"/>
+                <a:ea typeface="Calibri"/>
+                <a:cs typeface="Calibri"/>
+                <a:sym typeface="Calibri"/>
+              </a:rPr>
+              <a:t>‹#›</a:t>
+            </a:r>
+            <a:endParaRPr/>
+          </a:p>
+        </p:txBody>
       </p:sp>
     </p:spTree>
   </p:cSld>
@@ -7913,7 +8521,257 @@
   <p:cSld>
     <p:spTree>
       <p:nvGrpSpPr>
-        <p:cNvPr id="195" name="Shape 195"/>
+        <p:cNvPr id="199" name="Shape 199"/>
+        <p:cNvGrpSpPr/>
+        <p:nvPr/>
+      </p:nvGrpSpPr>
+      <p:grpSpPr>
+        <a:xfrm>
+          <a:off x="0" y="0"/>
+          <a:ext cx="0" cy="0"/>
+          <a:chOff x="0" y="0"/>
+          <a:chExt cx="0" cy="0"/>
+        </a:xfrm>
+      </p:grpSpPr>
+      <p:sp>
+        <p:nvSpPr>
+          <p:cNvPr id="200" name="Google Shape;200;p22"/>
+          <p:cNvSpPr txBox="1"/>
+          <p:nvPr/>
+        </p:nvSpPr>
+        <p:spPr>
+          <a:xfrm>
+            <a:off x="-610575" y="140225"/>
+            <a:ext cx="5815500" cy="307800"/>
+          </a:xfrm>
+          <a:prstGeom prst="rect">
+            <a:avLst/>
+          </a:prstGeom>
+          <a:noFill/>
+          <a:ln>
+            <a:noFill/>
+          </a:ln>
+        </p:spPr>
+        <p:txBody>
+          <a:bodyPr anchorCtr="0" anchor="t" bIns="0" lIns="0" spcFirstLastPara="1" rIns="0" wrap="square" tIns="0">
+            <a:spAutoFit/>
+          </a:bodyPr>
+          <a:lstStyle/>
+          <a:p>
+            <a:pPr indent="0" lvl="0" marL="0" marR="0" rtl="0" algn="ctr">
+              <a:lnSpc>
+                <a:spcPct val="140007"/>
+              </a:lnSpc>
+              <a:spcBef>
+                <a:spcPts val="0"/>
+              </a:spcBef>
+              <a:spcAft>
+                <a:spcPts val="0"/>
+              </a:spcAft>
+              <a:buNone/>
+            </a:pPr>
+            <a:r>
+              <a:rPr b="1" lang="en" sz="2000"/>
+              <a:t>Application Front-end Design</a:t>
+            </a:r>
+            <a:endParaRPr b="1" sz="2000"/>
+          </a:p>
+        </p:txBody>
+      </p:sp>
+      <p:pic>
+        <p:nvPicPr>
+          <p:cNvPr id="201" name="Google Shape;201;p22"/>
+          <p:cNvPicPr preferRelativeResize="0"/>
+          <p:nvPr/>
+        </p:nvPicPr>
+        <p:blipFill>
+          <a:blip r:embed="rId3">
+            <a:alphaModFix/>
+          </a:blip>
+          <a:stretch>
+            <a:fillRect/>
+          </a:stretch>
+        </p:blipFill>
+        <p:spPr>
+          <a:xfrm>
+            <a:off x="327813" y="564850"/>
+            <a:ext cx="8426529" cy="4578650"/>
+          </a:xfrm>
+          <a:prstGeom prst="rect">
+            <a:avLst/>
+          </a:prstGeom>
+          <a:noFill/>
+          <a:ln>
+            <a:noFill/>
+          </a:ln>
+        </p:spPr>
+      </p:pic>
+      <p:cxnSp>
+        <p:nvCxnSpPr>
+          <p:cNvPr id="202" name="Google Shape;202;p22"/>
+          <p:cNvCxnSpPr/>
+          <p:nvPr/>
+        </p:nvCxnSpPr>
+        <p:spPr>
+          <a:xfrm>
+            <a:off x="1427350" y="850250"/>
+            <a:ext cx="1483800" cy="711000"/>
+          </a:xfrm>
+          <a:prstGeom prst="straightConnector1">
+            <a:avLst/>
+          </a:prstGeom>
+          <a:noFill/>
+          <a:ln cap="flat" cmpd="sng" w="38100">
+            <a:solidFill>
+              <a:schemeClr val="dk1"/>
+            </a:solidFill>
+            <a:prstDash val="solid"/>
+            <a:round/>
+            <a:headEnd len="med" w="med" type="none"/>
+            <a:tailEnd len="med" w="med" type="none"/>
+          </a:ln>
+        </p:spPr>
+      </p:cxnSp>
+      <p:sp>
+        <p:nvSpPr>
+          <p:cNvPr id="203" name="Google Shape;203;p22"/>
+          <p:cNvSpPr txBox="1"/>
+          <p:nvPr/>
+        </p:nvSpPr>
+        <p:spPr>
+          <a:xfrm>
+            <a:off x="2959300" y="1357175"/>
+            <a:ext cx="2788200" cy="711000"/>
+          </a:xfrm>
+          <a:prstGeom prst="rect">
+            <a:avLst/>
+          </a:prstGeom>
+          <a:noFill/>
+          <a:ln>
+            <a:noFill/>
+          </a:ln>
+        </p:spPr>
+        <p:txBody>
+          <a:bodyPr anchorCtr="0" anchor="t" bIns="91425" lIns="91425" spcFirstLastPara="1" rIns="91425" wrap="square" tIns="91425">
+            <a:noAutofit/>
+          </a:bodyPr>
+          <a:lstStyle/>
+          <a:p>
+            <a:pPr indent="0" lvl="0" marL="0" rtl="0" algn="l">
+              <a:spcBef>
+                <a:spcPts val="0"/>
+              </a:spcBef>
+              <a:spcAft>
+                <a:spcPts val="0"/>
+              </a:spcAft>
+              <a:buNone/>
+            </a:pPr>
+            <a:r>
+              <a:rPr b="1" lang="en">
+                <a:solidFill>
+                  <a:schemeClr val="lt1"/>
+                </a:solidFill>
+              </a:rPr>
+              <a:t>Runs at 127.0.0.1:5111</a:t>
+            </a:r>
+            <a:endParaRPr b="1">
+              <a:solidFill>
+                <a:schemeClr val="lt1"/>
+              </a:solidFill>
+            </a:endParaRPr>
+          </a:p>
+        </p:txBody>
+      </p:sp>
+      <p:cxnSp>
+        <p:nvCxnSpPr>
+          <p:cNvPr id="204" name="Google Shape;204;p22"/>
+          <p:cNvCxnSpPr/>
+          <p:nvPr/>
+        </p:nvCxnSpPr>
+        <p:spPr>
+          <a:xfrm>
+            <a:off x="3533300" y="3846425"/>
+            <a:ext cx="14400" cy="509100"/>
+          </a:xfrm>
+          <a:prstGeom prst="straightConnector1">
+            <a:avLst/>
+          </a:prstGeom>
+          <a:noFill/>
+          <a:ln cap="flat" cmpd="sng" w="38100">
+            <a:solidFill>
+              <a:schemeClr val="dk1"/>
+            </a:solidFill>
+            <a:prstDash val="solid"/>
+            <a:round/>
+            <a:headEnd len="med" w="med" type="none"/>
+            <a:tailEnd len="med" w="med" type="none"/>
+          </a:ln>
+        </p:spPr>
+      </p:cxnSp>
+      <p:sp>
+        <p:nvSpPr>
+          <p:cNvPr id="205" name="Google Shape;205;p22"/>
+          <p:cNvSpPr txBox="1"/>
+          <p:nvPr/>
+        </p:nvSpPr>
+        <p:spPr>
+          <a:xfrm>
+            <a:off x="2654225" y="4322425"/>
+            <a:ext cx="2788200" cy="711000"/>
+          </a:xfrm>
+          <a:prstGeom prst="rect">
+            <a:avLst/>
+          </a:prstGeom>
+          <a:noFill/>
+          <a:ln>
+            <a:noFill/>
+          </a:ln>
+        </p:spPr>
+        <p:txBody>
+          <a:bodyPr anchorCtr="0" anchor="t" bIns="91425" lIns="91425" spcFirstLastPara="1" rIns="91425" wrap="square" tIns="91425">
+            <a:noAutofit/>
+          </a:bodyPr>
+          <a:lstStyle/>
+          <a:p>
+            <a:pPr indent="0" lvl="0" marL="0" rtl="0" algn="l">
+              <a:spcBef>
+                <a:spcPts val="0"/>
+              </a:spcBef>
+              <a:spcAft>
+                <a:spcPts val="0"/>
+              </a:spcAft>
+              <a:buNone/>
+            </a:pPr>
+            <a:r>
+              <a:rPr b="1" lang="en">
+                <a:solidFill>
+                  <a:schemeClr val="lt1"/>
+                </a:solidFill>
+              </a:rPr>
+              <a:t>User enters query here</a:t>
+            </a:r>
+            <a:endParaRPr b="1">
+              <a:solidFill>
+                <a:schemeClr val="lt1"/>
+              </a:solidFill>
+            </a:endParaRPr>
+          </a:p>
+        </p:txBody>
+      </p:sp>
+    </p:spTree>
+  </p:cSld>
+  <p:clrMapOvr>
+    <a:masterClrMapping/>
+  </p:clrMapOvr>
+</p:sld>
+</file>
+
+<file path=ppt/slides/slide11.xml><?xml version="1.0" encoding="utf-8"?>
+<p:sld xmlns:a="http://schemas.openxmlformats.org/drawingml/2006/main" xmlns:r="http://schemas.openxmlformats.org/officeDocument/2006/relationships" xmlns:mc="http://schemas.openxmlformats.org/markup-compatibility/2006" xmlns:mv="urn:schemas-microsoft-com:mac:vml" xmlns:p="http://schemas.openxmlformats.org/presentationml/2006/main" xmlns:c="http://schemas.openxmlformats.org/drawingml/2006/chart" xmlns:dgm="http://schemas.openxmlformats.org/drawingml/2006/diagram" xmlns:o="urn:schemas-microsoft-com:office:office" xmlns:v="urn:schemas-microsoft-com:vml" xmlns:pvml="urn:schemas-microsoft-com:office:powerpoint" xmlns:com="http://schemas.openxmlformats.org/drawingml/2006/compatibility" xmlns:p14="http://schemas.microsoft.com/office/powerpoint/2010/main" xmlns:p15="http://schemas.microsoft.com/office/powerpoint/2012/main" xmlns:ahyp="http://schemas.microsoft.com/office/drawing/2018/hyperlinkcolor">
+  <p:cSld>
+    <p:spTree>
+      <p:nvGrpSpPr>
+        <p:cNvPr id="209" name="Shape 209"/>
         <p:cNvGrpSpPr/>
         <p:nvPr/>
       </p:nvGrpSpPr>
@@ -7927,7 +8785,7 @@
       </p:grpSpPr>
       <p:pic>
         <p:nvPicPr>
-          <p:cNvPr id="196" name="Google Shape;196;p22"/>
+          <p:cNvPr id="210" name="Google Shape;210;p23"/>
           <p:cNvPicPr preferRelativeResize="0"/>
           <p:nvPr/>
         </p:nvPicPr>
@@ -7955,7 +8813,7 @@
       </p:pic>
       <p:sp>
         <p:nvSpPr>
-          <p:cNvPr id="197" name="Google Shape;197;p22"/>
+          <p:cNvPr id="211" name="Google Shape;211;p23"/>
           <p:cNvSpPr txBox="1"/>
           <p:nvPr/>
         </p:nvSpPr>
@@ -8000,7 +8858,7 @@
       </p:sp>
       <p:sp>
         <p:nvSpPr>
-          <p:cNvPr id="198" name="Google Shape;198;p22"/>
+          <p:cNvPr id="212" name="Google Shape;212;p23"/>
           <p:cNvSpPr txBox="1"/>
           <p:nvPr/>
         </p:nvSpPr>
@@ -8045,7 +8903,7 @@
       </p:sp>
       <p:cxnSp>
         <p:nvCxnSpPr>
-          <p:cNvPr id="199" name="Google Shape;199;p22"/>
+          <p:cNvPr id="213" name="Google Shape;213;p23"/>
           <p:cNvCxnSpPr/>
           <p:nvPr/>
         </p:nvCxnSpPr>
@@ -8071,7 +8929,7 @@
       </p:cxnSp>
       <p:cxnSp>
         <p:nvCxnSpPr>
-          <p:cNvPr id="200" name="Google Shape;200;p22"/>
+          <p:cNvPr id="214" name="Google Shape;214;p23"/>
           <p:cNvCxnSpPr/>
           <p:nvPr/>
         </p:nvCxnSpPr>
@@ -8097,7 +8955,7 @@
       </p:cxnSp>
       <p:cxnSp>
         <p:nvCxnSpPr>
-          <p:cNvPr id="201" name="Google Shape;201;p22"/>
+          <p:cNvPr id="215" name="Google Shape;215;p23"/>
           <p:cNvCxnSpPr/>
           <p:nvPr/>
         </p:nvCxnSpPr>
@@ -8123,7 +8981,7 @@
       </p:cxnSp>
       <p:sp>
         <p:nvSpPr>
-          <p:cNvPr id="202" name="Google Shape;202;p22"/>
+          <p:cNvPr id="216" name="Google Shape;216;p23"/>
           <p:cNvSpPr txBox="1"/>
           <p:nvPr/>
         </p:nvSpPr>
@@ -8173,7 +9031,7 @@
       </p:sp>
       <p:sp>
         <p:nvSpPr>
-          <p:cNvPr id="203" name="Google Shape;203;p22"/>
+          <p:cNvPr id="217" name="Google Shape;217;p23"/>
           <p:cNvSpPr txBox="1"/>
           <p:nvPr/>
         </p:nvSpPr>
@@ -8223,7 +9081,7 @@
       </p:sp>
       <p:sp>
         <p:nvSpPr>
-          <p:cNvPr id="204" name="Google Shape;204;p22"/>
+          <p:cNvPr id="218" name="Google Shape;218;p23"/>
           <p:cNvSpPr txBox="1"/>
           <p:nvPr/>
         </p:nvSpPr>
@@ -8279,12 +9137,12 @@
 </p:sld>
 </file>
 
-<file path=ppt/slides/slide11.xml><?xml version="1.0" encoding="utf-8"?>
+<file path=ppt/slides/slide12.xml><?xml version="1.0" encoding="utf-8"?>
 <p:sld xmlns:a="http://schemas.openxmlformats.org/drawingml/2006/main" xmlns:r="http://schemas.openxmlformats.org/officeDocument/2006/relationships" xmlns:mc="http://schemas.openxmlformats.org/markup-compatibility/2006" xmlns:mv="urn:schemas-microsoft-com:mac:vml" xmlns:p="http://schemas.openxmlformats.org/presentationml/2006/main" xmlns:c="http://schemas.openxmlformats.org/drawingml/2006/chart" xmlns:dgm="http://schemas.openxmlformats.org/drawingml/2006/diagram" xmlns:o="urn:schemas-microsoft-com:office:office" xmlns:v="urn:schemas-microsoft-com:vml" xmlns:pvml="urn:schemas-microsoft-com:office:powerpoint" xmlns:com="http://schemas.openxmlformats.org/drawingml/2006/compatibility" xmlns:p14="http://schemas.microsoft.com/office/powerpoint/2010/main" xmlns:p15="http://schemas.microsoft.com/office/powerpoint/2012/main" xmlns:ahyp="http://schemas.microsoft.com/office/drawing/2018/hyperlinkcolor">
   <p:cSld>
     <p:spTree>
       <p:nvGrpSpPr>
-        <p:cNvPr id="212" name="Shape 212"/>
+        <p:cNvPr id="226" name="Shape 226"/>
         <p:cNvGrpSpPr/>
         <p:nvPr/>
       </p:nvGrpSpPr>
@@ -8298,7 +9156,7 @@
       </p:grpSpPr>
       <p:sp>
         <p:nvSpPr>
-          <p:cNvPr id="213" name="Google Shape;213;p23"/>
+          <p:cNvPr id="227" name="Google Shape;227;p24"/>
           <p:cNvSpPr txBox="1"/>
           <p:nvPr/>
         </p:nvSpPr>
@@ -8351,7 +9209,7 @@
       </p:sp>
       <p:grpSp>
         <p:nvGrpSpPr>
-          <p:cNvPr id="214" name="Google Shape;214;p23"/>
+          <p:cNvPr id="228" name="Google Shape;228;p24"/>
           <p:cNvGrpSpPr/>
           <p:nvPr/>
         </p:nvGrpSpPr>
@@ -8365,7 +9223,7 @@
         </p:grpSpPr>
         <p:sp>
           <p:nvSpPr>
-            <p:cNvPr id="215" name="Google Shape;215;p23"/>
+            <p:cNvPr id="229" name="Google Shape;229;p24"/>
             <p:cNvSpPr/>
             <p:nvPr/>
           </p:nvSpPr>
@@ -8412,7 +9270,7 @@
         </p:sp>
         <p:grpSp>
           <p:nvGrpSpPr>
-            <p:cNvPr id="216" name="Google Shape;216;p23"/>
+            <p:cNvPr id="230" name="Google Shape;230;p24"/>
             <p:cNvGrpSpPr/>
             <p:nvPr/>
           </p:nvGrpSpPr>
@@ -8426,7 +9284,7 @@
           </p:grpSpPr>
           <p:sp>
             <p:nvSpPr>
-              <p:cNvPr id="217" name="Google Shape;217;p23"/>
+              <p:cNvPr id="231" name="Google Shape;231;p24"/>
               <p:cNvSpPr/>
               <p:nvPr/>
             </p:nvSpPr>
@@ -8465,7 +9323,7 @@
           </p:sp>
           <p:sp>
             <p:nvSpPr>
-              <p:cNvPr id="218" name="Google Shape;218;p23"/>
+              <p:cNvPr id="232" name="Google Shape;232;p24"/>
               <p:cNvSpPr txBox="1"/>
               <p:nvPr/>
             </p:nvSpPr>
@@ -8519,7 +9377,7 @@
       </p:grpSp>
       <p:sp>
         <p:nvSpPr>
-          <p:cNvPr id="219" name="Google Shape;219;p23"/>
+          <p:cNvPr id="233" name="Google Shape;233;p24"/>
           <p:cNvSpPr/>
           <p:nvPr/>
         </p:nvSpPr>
@@ -8566,7 +9424,7 @@
       </p:sp>
       <p:sp>
         <p:nvSpPr>
-          <p:cNvPr id="220" name="Google Shape;220;p23"/>
+          <p:cNvPr id="234" name="Google Shape;234;p24"/>
           <p:cNvSpPr txBox="1"/>
           <p:nvPr/>
         </p:nvSpPr>
@@ -8619,7 +9477,7 @@
       </p:sp>
       <p:sp>
         <p:nvSpPr>
-          <p:cNvPr id="221" name="Google Shape;221;p23"/>
+          <p:cNvPr id="235" name="Google Shape;235;p24"/>
           <p:cNvSpPr txBox="1"/>
           <p:nvPr/>
         </p:nvSpPr>
@@ -8861,7 +9719,7 @@
       </p:sp>
       <p:pic>
         <p:nvPicPr>
-          <p:cNvPr id="222" name="Google Shape;222;p23"/>
+          <p:cNvPr id="236" name="Google Shape;236;p24"/>
           <p:cNvPicPr preferRelativeResize="0"/>
           <p:nvPr/>
         </p:nvPicPr>
@@ -8888,7 +9746,7 @@
       </p:pic>
       <p:pic>
         <p:nvPicPr>
-          <p:cNvPr id="223" name="Google Shape;223;p23"/>
+          <p:cNvPr id="237" name="Google Shape;237;p24"/>
           <p:cNvPicPr preferRelativeResize="0"/>
           <p:nvPr/>
         </p:nvPicPr>
@@ -8922,12 +9780,12 @@
 </p:sld>
 </file>
 
-<file path=ppt/slides/slide12.xml><?xml version="1.0" encoding="utf-8"?>
+<file path=ppt/slides/slide13.xml><?xml version="1.0" encoding="utf-8"?>
 <p:sld xmlns:a="http://schemas.openxmlformats.org/drawingml/2006/main" xmlns:r="http://schemas.openxmlformats.org/officeDocument/2006/relationships" xmlns:mc="http://schemas.openxmlformats.org/markup-compatibility/2006" xmlns:mv="urn:schemas-microsoft-com:mac:vml" xmlns:p="http://schemas.openxmlformats.org/presentationml/2006/main" xmlns:c="http://schemas.openxmlformats.org/drawingml/2006/chart" xmlns:dgm="http://schemas.openxmlformats.org/drawingml/2006/diagram" xmlns:o="urn:schemas-microsoft-com:office:office" xmlns:v="urn:schemas-microsoft-com:vml" xmlns:pvml="urn:schemas-microsoft-com:office:powerpoint" xmlns:com="http://schemas.openxmlformats.org/drawingml/2006/compatibility" xmlns:p14="http://schemas.microsoft.com/office/powerpoint/2010/main" xmlns:p15="http://schemas.microsoft.com/office/powerpoint/2012/main" xmlns:ahyp="http://schemas.microsoft.com/office/drawing/2018/hyperlinkcolor">
   <p:cSld>
     <p:spTree>
       <p:nvGrpSpPr>
-        <p:cNvPr id="227" name="Shape 227"/>
+        <p:cNvPr id="245" name="Shape 245"/>
         <p:cNvGrpSpPr/>
         <p:nvPr/>
       </p:nvGrpSpPr>
@@ -8941,7 +9799,186 @@
       </p:grpSpPr>
       <p:sp>
         <p:nvSpPr>
-          <p:cNvPr id="228" name="Google Shape;228;p24"/>
+          <p:cNvPr id="246" name="Google Shape;246;p25"/>
+          <p:cNvSpPr txBox="1"/>
+          <p:nvPr/>
+        </p:nvSpPr>
+        <p:spPr>
+          <a:xfrm>
+            <a:off x="809875" y="1125675"/>
+            <a:ext cx="7716300" cy="431100"/>
+          </a:xfrm>
+          <a:prstGeom prst="rect">
+            <a:avLst/>
+          </a:prstGeom>
+          <a:noFill/>
+          <a:ln>
+            <a:noFill/>
+          </a:ln>
+        </p:spPr>
+        <p:txBody>
+          <a:bodyPr anchorCtr="0" anchor="t" bIns="91425" lIns="91425" spcFirstLastPara="1" rIns="91425" wrap="square" tIns="91425">
+            <a:spAutoFit/>
+          </a:bodyPr>
+          <a:lstStyle/>
+          <a:p>
+            <a:pPr indent="-330200" lvl="0" marL="457200" rtl="0" algn="l">
+              <a:lnSpc>
+                <a:spcPct val="150000"/>
+              </a:lnSpc>
+              <a:spcBef>
+                <a:spcPts val="1200"/>
+              </a:spcBef>
+              <a:spcAft>
+                <a:spcPts val="0"/>
+              </a:spcAft>
+              <a:buClr>
+                <a:schemeClr val="dk1"/>
+              </a:buClr>
+              <a:buSzPts val="1600"/>
+              <a:buChar char="●"/>
+            </a:pPr>
+            <a:r>
+              <a:rPr lang="en" sz="1600">
+                <a:solidFill>
+                  <a:schemeClr val="dk1"/>
+                </a:solidFill>
+              </a:rPr>
+              <a:t>The full video demo is located in ResumeGPT/Video_Demo</a:t>
+            </a:r>
+            <a:endParaRPr sz="1600">
+              <a:solidFill>
+                <a:schemeClr val="dk1"/>
+              </a:solidFill>
+            </a:endParaRPr>
+          </a:p>
+        </p:txBody>
+      </p:sp>
+      <p:sp>
+        <p:nvSpPr>
+          <p:cNvPr id="247" name="Google Shape;247;p25"/>
+          <p:cNvSpPr txBox="1"/>
+          <p:nvPr/>
+        </p:nvSpPr>
+        <p:spPr>
+          <a:xfrm>
+            <a:off x="934900" y="370500"/>
+            <a:ext cx="3977400" cy="530400"/>
+          </a:xfrm>
+          <a:prstGeom prst="rect">
+            <a:avLst/>
+          </a:prstGeom>
+          <a:noFill/>
+          <a:ln>
+            <a:noFill/>
+          </a:ln>
+        </p:spPr>
+        <p:txBody>
+          <a:bodyPr anchorCtr="0" anchor="t" bIns="91425" lIns="91425" spcFirstLastPara="1" rIns="91425" wrap="square" tIns="91425">
+            <a:noAutofit/>
+          </a:bodyPr>
+          <a:lstStyle/>
+          <a:p>
+            <a:pPr indent="0" lvl="0" marL="0" rtl="0" algn="l">
+              <a:spcBef>
+                <a:spcPts val="0"/>
+              </a:spcBef>
+              <a:spcAft>
+                <a:spcPts val="0"/>
+              </a:spcAft>
+              <a:buNone/>
+            </a:pPr>
+            <a:r>
+              <a:rPr b="1" lang="en" sz="2500">
+                <a:solidFill>
+                  <a:schemeClr val="dk1"/>
+                </a:solidFill>
+              </a:rPr>
+              <a:t>Video Demo</a:t>
+            </a:r>
+            <a:endParaRPr b="1" sz="2500">
+              <a:solidFill>
+                <a:schemeClr val="dk1"/>
+              </a:solidFill>
+            </a:endParaRPr>
+          </a:p>
+          <a:p>
+            <a:pPr indent="0" lvl="0" marL="0" rtl="0" algn="l">
+              <a:spcBef>
+                <a:spcPts val="0"/>
+              </a:spcBef>
+              <a:spcAft>
+                <a:spcPts val="0"/>
+              </a:spcAft>
+              <a:buNone/>
+            </a:pPr>
+            <a:r>
+              <a:t/>
+            </a:r>
+            <a:endParaRPr sz="2100">
+              <a:solidFill>
+                <a:schemeClr val="dk1"/>
+              </a:solidFill>
+            </a:endParaRPr>
+          </a:p>
+        </p:txBody>
+      </p:sp>
+      <p:pic>
+        <p:nvPicPr>
+          <p:cNvPr id="248" name="Google Shape;248;p25"/>
+          <p:cNvPicPr preferRelativeResize="0"/>
+          <p:nvPr/>
+        </p:nvPicPr>
+        <p:blipFill>
+          <a:blip r:embed="rId3">
+            <a:alphaModFix/>
+          </a:blip>
+          <a:stretch>
+            <a:fillRect/>
+          </a:stretch>
+        </p:blipFill>
+        <p:spPr>
+          <a:xfrm>
+            <a:off x="152400" y="1709175"/>
+            <a:ext cx="8839201" cy="2860659"/>
+          </a:xfrm>
+          <a:prstGeom prst="rect">
+            <a:avLst/>
+          </a:prstGeom>
+          <a:noFill/>
+          <a:ln>
+            <a:noFill/>
+          </a:ln>
+        </p:spPr>
+      </p:pic>
+    </p:spTree>
+  </p:cSld>
+  <p:clrMapOvr>
+    <a:masterClrMapping/>
+  </p:clrMapOvr>
+</p:sld>
+</file>
+
+<file path=ppt/slides/slide14.xml><?xml version="1.0" encoding="utf-8"?>
+<p:sld xmlns:a="http://schemas.openxmlformats.org/drawingml/2006/main" xmlns:r="http://schemas.openxmlformats.org/officeDocument/2006/relationships" xmlns:mc="http://schemas.openxmlformats.org/markup-compatibility/2006" xmlns:mv="urn:schemas-microsoft-com:mac:vml" xmlns:p="http://schemas.openxmlformats.org/presentationml/2006/main" xmlns:c="http://schemas.openxmlformats.org/drawingml/2006/chart" xmlns:dgm="http://schemas.openxmlformats.org/drawingml/2006/diagram" xmlns:o="urn:schemas-microsoft-com:office:office" xmlns:v="urn:schemas-microsoft-com:vml" xmlns:pvml="urn:schemas-microsoft-com:office:powerpoint" xmlns:com="http://schemas.openxmlformats.org/drawingml/2006/compatibility" xmlns:p14="http://schemas.microsoft.com/office/powerpoint/2010/main" xmlns:p15="http://schemas.microsoft.com/office/powerpoint/2012/main" xmlns:ahyp="http://schemas.microsoft.com/office/drawing/2018/hyperlinkcolor">
+  <p:cSld>
+    <p:spTree>
+      <p:nvGrpSpPr>
+        <p:cNvPr id="252" name="Shape 252"/>
+        <p:cNvGrpSpPr/>
+        <p:nvPr/>
+      </p:nvGrpSpPr>
+      <p:grpSpPr>
+        <a:xfrm>
+          <a:off x="0" y="0"/>
+          <a:ext cx="0" cy="0"/>
+          <a:chOff x="0" y="0"/>
+          <a:chExt cx="0" cy="0"/>
+        </a:xfrm>
+      </p:grpSpPr>
+      <p:sp>
+        <p:nvSpPr>
+          <p:cNvPr id="253" name="Google Shape;253;p26"/>
           <p:cNvSpPr txBox="1"/>
           <p:nvPr/>
         </p:nvSpPr>
@@ -12129,53 +13166,8 @@
         </p:nvSpPr>
         <p:spPr>
           <a:xfrm>
-            <a:off x="527508" y="325650"/>
-            <a:ext cx="3078900" cy="369300"/>
-          </a:xfrm>
-          <a:prstGeom prst="rect">
-            <a:avLst/>
-          </a:prstGeom>
-          <a:noFill/>
-          <a:ln>
-            <a:noFill/>
-          </a:ln>
-        </p:spPr>
-        <p:txBody>
-          <a:bodyPr anchorCtr="0" anchor="t" bIns="0" lIns="0" spcFirstLastPara="1" rIns="0" wrap="square" tIns="0">
-            <a:spAutoFit/>
-          </a:bodyPr>
-          <a:lstStyle/>
-          <a:p>
-            <a:pPr indent="0" lvl="0" marL="0" marR="0" rtl="0" algn="l">
-              <a:lnSpc>
-                <a:spcPct val="139995"/>
-              </a:lnSpc>
-              <a:spcBef>
-                <a:spcPts val="0"/>
-              </a:spcBef>
-              <a:spcAft>
-                <a:spcPts val="0"/>
-              </a:spcAft>
-              <a:buNone/>
-            </a:pPr>
-            <a:r>
-              <a:rPr b="1" lang="en" sz="2400"/>
-              <a:t>Data Ingestion</a:t>
-            </a:r>
-            <a:endParaRPr b="1" sz="2400"/>
-          </a:p>
-        </p:txBody>
-      </p:sp>
-      <p:sp>
-        <p:nvSpPr>
-          <p:cNvPr id="146" name="Google Shape;146;p18"/>
-          <p:cNvSpPr txBox="1"/>
-          <p:nvPr/>
-        </p:nvSpPr>
-        <p:spPr>
-          <a:xfrm>
-            <a:off x="444375" y="694950"/>
-            <a:ext cx="5310300" cy="1749600"/>
+            <a:off x="5295425" y="648700"/>
+            <a:ext cx="1699800" cy="466500"/>
           </a:xfrm>
           <a:prstGeom prst="rect">
             <a:avLst/>
@@ -12201,14 +13193,14 @@
               <a:buNone/>
             </a:pPr>
             <a:r>
-              <a:rPr lang="en" sz="1300">
+              <a:rPr b="1" lang="en" sz="2500">
                 <a:solidFill>
                   <a:schemeClr val="dk1"/>
                 </a:solidFill>
               </a:rPr>
-              <a:t>Data ingested is a .pdf file starting with an introduction, and the resume in text form. </a:t>
-            </a:r>
-            <a:endParaRPr sz="1300">
+              <a:t>Libraries</a:t>
+            </a:r>
+            <a:endParaRPr b="1" sz="2500">
               <a:solidFill>
                 <a:schemeClr val="dk1"/>
               </a:solidFill>
@@ -12225,84 +13217,26 @@
               <a:buNone/>
             </a:pPr>
             <a:r>
-              <a:rPr lang="en" sz="1300">
-                <a:solidFill>
-                  <a:schemeClr val="dk1"/>
-                </a:solidFill>
-              </a:rPr>
-              <a:t>Below is a sample snippet:</a:t>
-            </a:r>
-            <a:endParaRPr sz="1300">
+              <a:t/>
+            </a:r>
+            <a:endParaRPr sz="2100">
               <a:solidFill>
                 <a:schemeClr val="dk1"/>
               </a:solidFill>
             </a:endParaRPr>
           </a:p>
-          <a:p>
-            <a:pPr indent="0" lvl="0" marL="0" rtl="0" algn="l">
-              <a:spcBef>
-                <a:spcPts val="0"/>
-              </a:spcBef>
-              <a:spcAft>
-                <a:spcPts val="0"/>
-              </a:spcAft>
-              <a:buNone/>
-            </a:pPr>
-            <a:r>
-              <a:t/>
-            </a:r>
-            <a:endParaRPr sz="1500">
-              <a:solidFill>
-                <a:schemeClr val="dk2"/>
-              </a:solidFill>
-            </a:endParaRPr>
-          </a:p>
         </p:txBody>
       </p:sp>
-      <p:pic>
-        <p:nvPicPr>
-          <p:cNvPr id="147" name="Google Shape;147;p18"/>
-          <p:cNvPicPr preferRelativeResize="0"/>
-          <p:nvPr/>
-        </p:nvPicPr>
-        <p:blipFill>
-          <a:blip r:embed="rId3">
-            <a:alphaModFix/>
-          </a:blip>
-          <a:stretch>
-            <a:fillRect/>
-          </a:stretch>
-        </p:blipFill>
-        <p:spPr>
-          <a:xfrm>
-            <a:off x="317325" y="1969225"/>
-            <a:ext cx="5132549" cy="1307500"/>
-          </a:xfrm>
-          <a:prstGeom prst="rect">
-            <a:avLst/>
-          </a:prstGeom>
-          <a:noFill/>
-          <a:ln cap="flat" cmpd="sng" w="28575">
-            <a:solidFill>
-              <a:schemeClr val="dk2"/>
-            </a:solidFill>
-            <a:prstDash val="solid"/>
-            <a:round/>
-            <a:headEnd len="sm" w="sm" type="none"/>
-            <a:tailEnd len="sm" w="sm" type="none"/>
-          </a:ln>
-        </p:spPr>
-      </p:pic>
-      <p:sp>
-        <p:nvSpPr>
-          <p:cNvPr id="148" name="Google Shape;148;p18"/>
+      <p:sp>
+        <p:nvSpPr>
+          <p:cNvPr id="146" name="Google Shape;146;p18"/>
           <p:cNvSpPr txBox="1"/>
           <p:nvPr/>
         </p:nvSpPr>
         <p:spPr>
           <a:xfrm>
-            <a:off x="444375" y="1431375"/>
-            <a:ext cx="3015600" cy="234900"/>
+            <a:off x="4949300" y="1289175"/>
+            <a:ext cx="7046400" cy="356400"/>
           </a:xfrm>
           <a:prstGeom prst="rect">
             <a:avLst/>
@@ -12318,75 +13252,478 @@
           </a:bodyPr>
           <a:lstStyle/>
           <a:p>
-            <a:pPr indent="0" lvl="0" marL="0" rtl="0" algn="l">
-              <a:spcBef>
-                <a:spcPts val="0"/>
-              </a:spcBef>
-              <a:spcAft>
-                <a:spcPts val="0"/>
-              </a:spcAft>
-              <a:buNone/>
-            </a:pPr>
-            <a:r>
-              <a:rPr b="1" lang="en" sz="2000">
+            <a:pPr indent="-285750" lvl="0" marL="457200" rtl="0" algn="l">
+              <a:lnSpc>
+                <a:spcPct val="115000"/>
+              </a:lnSpc>
+              <a:spcBef>
+                <a:spcPts val="1200"/>
+              </a:spcBef>
+              <a:spcAft>
+                <a:spcPts val="0"/>
+              </a:spcAft>
+              <a:buClr>
+                <a:schemeClr val="dk1"/>
+              </a:buClr>
+              <a:buSzPts val="900"/>
+              <a:buChar char="●"/>
+            </a:pPr>
+            <a:r>
+              <a:rPr lang="en" sz="1600">
                 <a:solidFill>
                   <a:schemeClr val="dk1"/>
                 </a:solidFill>
               </a:rPr>
-              <a:t>Data for ingestion:</a:t>
-            </a:r>
-            <a:endParaRPr b="1" sz="2000">
+              <a:t>Langchain</a:t>
+            </a:r>
+            <a:endParaRPr sz="1600">
               <a:solidFill>
                 <a:schemeClr val="dk1"/>
               </a:solidFill>
             </a:endParaRPr>
           </a:p>
+          <a:p>
+            <a:pPr indent="-285750" lvl="0" marL="457200" rtl="0" algn="l">
+              <a:lnSpc>
+                <a:spcPct val="115000"/>
+              </a:lnSpc>
+              <a:spcBef>
+                <a:spcPts val="0"/>
+              </a:spcBef>
+              <a:spcAft>
+                <a:spcPts val="0"/>
+              </a:spcAft>
+              <a:buClr>
+                <a:schemeClr val="dk1"/>
+              </a:buClr>
+              <a:buSzPts val="900"/>
+              <a:buChar char="●"/>
+            </a:pPr>
+            <a:r>
+              <a:rPr lang="en" sz="1600">
+                <a:solidFill>
+                  <a:schemeClr val="dk1"/>
+                </a:solidFill>
+              </a:rPr>
+              <a:t>Pytorch 2.0.1cu11.7</a:t>
+            </a:r>
+            <a:endParaRPr sz="1600">
+              <a:solidFill>
+                <a:schemeClr val="dk1"/>
+              </a:solidFill>
+            </a:endParaRPr>
+          </a:p>
+          <a:p>
+            <a:pPr indent="-285750" lvl="0" marL="457200" rtl="0" algn="l">
+              <a:lnSpc>
+                <a:spcPct val="115000"/>
+              </a:lnSpc>
+              <a:spcBef>
+                <a:spcPts val="0"/>
+              </a:spcBef>
+              <a:spcAft>
+                <a:spcPts val="0"/>
+              </a:spcAft>
+              <a:buClr>
+                <a:schemeClr val="dk1"/>
+              </a:buClr>
+              <a:buSzPts val="900"/>
+              <a:buChar char="●"/>
+            </a:pPr>
+            <a:r>
+              <a:rPr lang="en" sz="1600">
+                <a:solidFill>
+                  <a:schemeClr val="dk1"/>
+                </a:solidFill>
+              </a:rPr>
+              <a:t>Cudatoolkit 11.7</a:t>
+            </a:r>
+            <a:endParaRPr sz="1600">
+              <a:solidFill>
+                <a:schemeClr val="dk1"/>
+              </a:solidFill>
+            </a:endParaRPr>
+          </a:p>
+          <a:p>
+            <a:pPr indent="-285750" lvl="0" marL="457200" rtl="0" algn="l">
+              <a:lnSpc>
+                <a:spcPct val="115000"/>
+              </a:lnSpc>
+              <a:spcBef>
+                <a:spcPts val="0"/>
+              </a:spcBef>
+              <a:spcAft>
+                <a:spcPts val="0"/>
+              </a:spcAft>
+              <a:buClr>
+                <a:schemeClr val="dk1"/>
+              </a:buClr>
+              <a:buSzPts val="900"/>
+              <a:buChar char="●"/>
+            </a:pPr>
+            <a:r>
+              <a:rPr lang="en" sz="1600">
+                <a:solidFill>
+                  <a:schemeClr val="dk1"/>
+                </a:solidFill>
+              </a:rPr>
+              <a:t>BitsAnd Bytes 0.40.1</a:t>
+            </a:r>
+            <a:endParaRPr sz="1600">
+              <a:solidFill>
+                <a:schemeClr val="dk1"/>
+              </a:solidFill>
+            </a:endParaRPr>
+          </a:p>
+          <a:p>
+            <a:pPr indent="-285750" lvl="0" marL="457200" rtl="0" algn="l">
+              <a:lnSpc>
+                <a:spcPct val="115000"/>
+              </a:lnSpc>
+              <a:spcBef>
+                <a:spcPts val="0"/>
+              </a:spcBef>
+              <a:spcAft>
+                <a:spcPts val="0"/>
+              </a:spcAft>
+              <a:buClr>
+                <a:schemeClr val="dk1"/>
+              </a:buClr>
+              <a:buSzPts val="900"/>
+              <a:buChar char="●"/>
+            </a:pPr>
+            <a:r>
+              <a:rPr lang="en" sz="1600">
+                <a:solidFill>
+                  <a:schemeClr val="dk1"/>
+                </a:solidFill>
+              </a:rPr>
+              <a:t>AutoGpt 0.3.0cu11.8</a:t>
+            </a:r>
+            <a:endParaRPr sz="1600">
+              <a:solidFill>
+                <a:schemeClr val="dk1"/>
+              </a:solidFill>
+            </a:endParaRPr>
+          </a:p>
+          <a:p>
+            <a:pPr indent="-285750" lvl="0" marL="457200" rtl="0" algn="l">
+              <a:lnSpc>
+                <a:spcPct val="115000"/>
+              </a:lnSpc>
+              <a:spcBef>
+                <a:spcPts val="0"/>
+              </a:spcBef>
+              <a:spcAft>
+                <a:spcPts val="0"/>
+              </a:spcAft>
+              <a:buClr>
+                <a:schemeClr val="dk1"/>
+              </a:buClr>
+              <a:buSzPts val="900"/>
+              <a:buChar char="●"/>
+            </a:pPr>
+            <a:r>
+              <a:rPr lang="en" sz="1600">
+                <a:solidFill>
+                  <a:schemeClr val="dk1"/>
+                </a:solidFill>
+              </a:rPr>
+              <a:t>Llama-cpp-python</a:t>
+            </a:r>
+            <a:endParaRPr sz="1600">
+              <a:solidFill>
+                <a:schemeClr val="dk1"/>
+              </a:solidFill>
+            </a:endParaRPr>
+          </a:p>
+          <a:p>
+            <a:pPr indent="-285750" lvl="0" marL="457200" rtl="0" algn="l">
+              <a:lnSpc>
+                <a:spcPct val="115000"/>
+              </a:lnSpc>
+              <a:spcBef>
+                <a:spcPts val="0"/>
+              </a:spcBef>
+              <a:spcAft>
+                <a:spcPts val="0"/>
+              </a:spcAft>
+              <a:buClr>
+                <a:schemeClr val="dk1"/>
+              </a:buClr>
+              <a:buSzPts val="900"/>
+              <a:buChar char="●"/>
+            </a:pPr>
+            <a:r>
+              <a:rPr lang="en" sz="1600">
+                <a:solidFill>
+                  <a:schemeClr val="dk1"/>
+                </a:solidFill>
+              </a:rPr>
+              <a:t>PGvector</a:t>
+            </a:r>
+            <a:endParaRPr sz="1600">
+              <a:solidFill>
+                <a:schemeClr val="dk1"/>
+              </a:solidFill>
+            </a:endParaRPr>
+          </a:p>
+          <a:p>
+            <a:pPr indent="-285750" lvl="0" marL="457200" rtl="0" algn="l">
+              <a:lnSpc>
+                <a:spcPct val="115000"/>
+              </a:lnSpc>
+              <a:spcBef>
+                <a:spcPts val="0"/>
+              </a:spcBef>
+              <a:spcAft>
+                <a:spcPts val="0"/>
+              </a:spcAft>
+              <a:buClr>
+                <a:schemeClr val="dk1"/>
+              </a:buClr>
+              <a:buSzPts val="900"/>
+              <a:buChar char="●"/>
+            </a:pPr>
+            <a:r>
+              <a:rPr lang="en" sz="1600">
+                <a:solidFill>
+                  <a:schemeClr val="dk1"/>
+                </a:solidFill>
+              </a:rPr>
+              <a:t>Qdrant-client</a:t>
+            </a:r>
+            <a:endParaRPr sz="1600">
+              <a:solidFill>
+                <a:schemeClr val="dk1"/>
+              </a:solidFill>
+            </a:endParaRPr>
+          </a:p>
+          <a:p>
+            <a:pPr indent="0" lvl="0" marL="0" rtl="0" algn="l">
+              <a:lnSpc>
+                <a:spcPct val="100000"/>
+              </a:lnSpc>
+              <a:spcBef>
+                <a:spcPts val="1200"/>
+              </a:spcBef>
+              <a:spcAft>
+                <a:spcPts val="0"/>
+              </a:spcAft>
+              <a:buNone/>
+            </a:pPr>
+            <a:r>
+              <a:t/>
+            </a:r>
+            <a:endParaRPr sz="1800">
+              <a:solidFill>
+                <a:schemeClr val="dk1"/>
+              </a:solidFill>
+            </a:endParaRPr>
+          </a:p>
+          <a:p>
+            <a:pPr indent="0" lvl="0" marL="0" rtl="0" algn="l">
+              <a:lnSpc>
+                <a:spcPct val="100000"/>
+              </a:lnSpc>
+              <a:spcBef>
+                <a:spcPts val="1200"/>
+              </a:spcBef>
+              <a:spcAft>
+                <a:spcPts val="0"/>
+              </a:spcAft>
+              <a:buNone/>
+            </a:pPr>
+            <a:r>
+              <a:t/>
+            </a:r>
+            <a:endParaRPr sz="1800">
+              <a:solidFill>
+                <a:schemeClr val="dk1"/>
+              </a:solidFill>
+            </a:endParaRPr>
+          </a:p>
+          <a:p>
+            <a:pPr indent="0" lvl="0" marL="0" rtl="0" algn="l">
+              <a:spcBef>
+                <a:spcPts val="1200"/>
+              </a:spcBef>
+              <a:spcAft>
+                <a:spcPts val="0"/>
+              </a:spcAft>
+              <a:buNone/>
+            </a:pPr>
+            <a:r>
+              <a:t/>
+            </a:r>
+            <a:endParaRPr sz="1100">
+              <a:solidFill>
+                <a:schemeClr val="dk1"/>
+              </a:solidFill>
+            </a:endParaRPr>
+          </a:p>
         </p:txBody>
       </p:sp>
-      <p:pic>
-        <p:nvPicPr>
-          <p:cNvPr id="149" name="Google Shape;149;p18"/>
-          <p:cNvPicPr preferRelativeResize="0"/>
-          <p:nvPr/>
-        </p:nvPicPr>
-        <p:blipFill>
-          <a:blip r:embed="rId4">
-            <a:alphaModFix/>
-          </a:blip>
-          <a:stretch>
-            <a:fillRect/>
-          </a:stretch>
-        </p:blipFill>
-        <p:spPr>
-          <a:xfrm>
-            <a:off x="5631675" y="1876500"/>
-            <a:ext cx="2738150" cy="2636500"/>
-          </a:xfrm>
-          <a:prstGeom prst="rect">
-            <a:avLst/>
-          </a:prstGeom>
-          <a:noFill/>
-          <a:ln cap="flat" cmpd="sng" w="28575">
-            <a:solidFill>
-              <a:schemeClr val="dk2"/>
-            </a:solidFill>
-            <a:prstDash val="solid"/>
-            <a:round/>
-            <a:headEnd len="sm" w="sm" type="none"/>
-            <a:tailEnd len="sm" w="sm" type="none"/>
-          </a:ln>
-        </p:spPr>
-      </p:pic>
-      <p:sp>
-        <p:nvSpPr>
-          <p:cNvPr id="150" name="Google Shape;150;p18"/>
+      <p:sp>
+        <p:nvSpPr>
+          <p:cNvPr id="147" name="Google Shape;147;p18"/>
           <p:cNvSpPr txBox="1"/>
           <p:nvPr/>
         </p:nvSpPr>
         <p:spPr>
           <a:xfrm>
-            <a:off x="635000" y="3561975"/>
-            <a:ext cx="4086900" cy="1180500"/>
+            <a:off x="877875" y="1366775"/>
+            <a:ext cx="3000000" cy="1539300"/>
+          </a:xfrm>
+          <a:prstGeom prst="rect">
+            <a:avLst/>
+          </a:prstGeom>
+          <a:noFill/>
+          <a:ln>
+            <a:noFill/>
+          </a:ln>
+        </p:spPr>
+        <p:txBody>
+          <a:bodyPr anchorCtr="0" anchor="t" bIns="91425" lIns="91425" spcFirstLastPara="1" rIns="91425" wrap="square" tIns="91425">
+            <a:spAutoFit/>
+          </a:bodyPr>
+          <a:lstStyle/>
+          <a:p>
+            <a:pPr indent="-330200" lvl="0" marL="457200" rtl="0" algn="l">
+              <a:lnSpc>
+                <a:spcPct val="150000"/>
+              </a:lnSpc>
+              <a:spcBef>
+                <a:spcPts val="1200"/>
+              </a:spcBef>
+              <a:spcAft>
+                <a:spcPts val="0"/>
+              </a:spcAft>
+              <a:buClr>
+                <a:schemeClr val="dk1"/>
+              </a:buClr>
+              <a:buSzPts val="1600"/>
+              <a:buChar char="●"/>
+            </a:pPr>
+            <a:r>
+              <a:rPr lang="en" sz="1600">
+                <a:solidFill>
+                  <a:schemeClr val="dk1"/>
+                </a:solidFill>
+              </a:rPr>
+              <a:t>localGPT</a:t>
+            </a:r>
+            <a:endParaRPr sz="1600">
+              <a:solidFill>
+                <a:schemeClr val="dk1"/>
+              </a:solidFill>
+            </a:endParaRPr>
+          </a:p>
+          <a:p>
+            <a:pPr indent="-330200" lvl="0" marL="457200" rtl="0" algn="l">
+              <a:lnSpc>
+                <a:spcPct val="150000"/>
+              </a:lnSpc>
+              <a:spcBef>
+                <a:spcPts val="0"/>
+              </a:spcBef>
+              <a:spcAft>
+                <a:spcPts val="0"/>
+              </a:spcAft>
+              <a:buClr>
+                <a:schemeClr val="dk1"/>
+              </a:buClr>
+              <a:buSzPts val="1600"/>
+              <a:buChar char="●"/>
+            </a:pPr>
+            <a:r>
+              <a:rPr lang="en" sz="1600">
+                <a:solidFill>
+                  <a:schemeClr val="dk1"/>
+                </a:solidFill>
+              </a:rPr>
+              <a:t>Qdrant DB</a:t>
+            </a:r>
+            <a:endParaRPr sz="1600">
+              <a:solidFill>
+                <a:schemeClr val="dk1"/>
+              </a:solidFill>
+            </a:endParaRPr>
+          </a:p>
+          <a:p>
+            <a:pPr indent="-330200" lvl="0" marL="457200" rtl="0" algn="l">
+              <a:lnSpc>
+                <a:spcPct val="150000"/>
+              </a:lnSpc>
+              <a:spcBef>
+                <a:spcPts val="0"/>
+              </a:spcBef>
+              <a:spcAft>
+                <a:spcPts val="0"/>
+              </a:spcAft>
+              <a:buClr>
+                <a:schemeClr val="dk1"/>
+              </a:buClr>
+              <a:buSzPts val="1600"/>
+              <a:buChar char="●"/>
+            </a:pPr>
+            <a:r>
+              <a:rPr lang="en" sz="1600">
+                <a:solidFill>
+                  <a:schemeClr val="dk1"/>
+                </a:solidFill>
+              </a:rPr>
+              <a:t>PGvector PostgresDB</a:t>
+            </a:r>
+            <a:endParaRPr sz="1600">
+              <a:solidFill>
+                <a:schemeClr val="dk1"/>
+              </a:solidFill>
+            </a:endParaRPr>
+          </a:p>
+          <a:p>
+            <a:pPr indent="-330200" lvl="0" marL="457200" rtl="0" algn="l">
+              <a:lnSpc>
+                <a:spcPct val="150000"/>
+              </a:lnSpc>
+              <a:spcBef>
+                <a:spcPts val="0"/>
+              </a:spcBef>
+              <a:spcAft>
+                <a:spcPts val="0"/>
+              </a:spcAft>
+              <a:buClr>
+                <a:schemeClr val="dk1"/>
+              </a:buClr>
+              <a:buSzPts val="1600"/>
+              <a:buChar char="●"/>
+            </a:pPr>
+            <a:r>
+              <a:rPr lang="en" sz="1600">
+                <a:solidFill>
+                  <a:schemeClr val="dk1"/>
+                </a:solidFill>
+              </a:rPr>
+              <a:t>Nvidia Toolkit 11.8</a:t>
+            </a:r>
+            <a:endParaRPr sz="1600">
+              <a:solidFill>
+                <a:schemeClr val="dk1"/>
+              </a:solidFill>
+            </a:endParaRPr>
+          </a:p>
+        </p:txBody>
+      </p:sp>
+      <p:sp>
+        <p:nvSpPr>
+          <p:cNvPr id="148" name="Google Shape;148;p18"/>
+          <p:cNvSpPr txBox="1"/>
+          <p:nvPr/>
+        </p:nvSpPr>
+        <p:spPr>
+          <a:xfrm>
+            <a:off x="971975" y="648700"/>
+            <a:ext cx="1728900" cy="530400"/>
           </a:xfrm>
           <a:prstGeom prst="rect">
             <a:avLst/>
@@ -12412,59 +13749,33 @@
               <a:buNone/>
             </a:pPr>
             <a:r>
-              <a:t/>
-            </a:r>
-            <a:endParaRPr sz="1800">
-              <a:solidFill>
-                <a:schemeClr val="dk2"/>
-              </a:solidFill>
-            </a:endParaRPr>
-          </a:p>
-        </p:txBody>
-      </p:sp>
-      <p:sp>
-        <p:nvSpPr>
-          <p:cNvPr id="151" name="Google Shape;151;p18"/>
-          <p:cNvSpPr txBox="1"/>
-          <p:nvPr/>
-        </p:nvSpPr>
-        <p:spPr>
-          <a:xfrm>
-            <a:off x="444375" y="3480550"/>
-            <a:ext cx="4095000" cy="1188600"/>
-          </a:xfrm>
-          <a:prstGeom prst="rect">
-            <a:avLst/>
-          </a:prstGeom>
-          <a:noFill/>
-          <a:ln>
-            <a:noFill/>
-          </a:ln>
-        </p:spPr>
-        <p:txBody>
-          <a:bodyPr anchorCtr="0" anchor="t" bIns="91425" lIns="91425" spcFirstLastPara="1" rIns="91425" wrap="square" tIns="91425">
-            <a:noAutofit/>
-          </a:bodyPr>
-          <a:lstStyle/>
-          <a:p>
-            <a:pPr indent="0" lvl="0" marL="0" rtl="0" algn="l">
-              <a:spcBef>
-                <a:spcPts val="0"/>
-              </a:spcBef>
-              <a:spcAft>
-                <a:spcPts val="0"/>
-              </a:spcAft>
-              <a:buNone/>
-            </a:pPr>
-            <a:r>
-              <a:rPr lang="en">
+              <a:rPr b="1" lang="en" sz="2500">
                 <a:solidFill>
                   <a:schemeClr val="dk1"/>
                 </a:solidFill>
               </a:rPr>
-              <a:t>This .pdf file is placed in resumeGPT/SOURCE_DOCUMENTS</a:t>
-            </a:r>
-            <a:endParaRPr>
+              <a:t>Softwares</a:t>
+            </a:r>
+            <a:endParaRPr b="1" sz="2500">
+              <a:solidFill>
+                <a:schemeClr val="dk1"/>
+              </a:solidFill>
+            </a:endParaRPr>
+          </a:p>
+          <a:p>
+            <a:pPr indent="0" lvl="0" marL="0" rtl="0" algn="l">
+              <a:spcBef>
+                <a:spcPts val="0"/>
+              </a:spcBef>
+              <a:spcAft>
+                <a:spcPts val="0"/>
+              </a:spcAft>
+              <a:buNone/>
+            </a:pPr>
+            <a:r>
+              <a:t/>
+            </a:r>
+            <a:endParaRPr sz="2100">
               <a:solidFill>
                 <a:schemeClr val="dk1"/>
               </a:solidFill>
@@ -12485,7 +13796,7 @@
   <p:cSld>
     <p:spTree>
       <p:nvGrpSpPr>
-        <p:cNvPr id="159" name="Shape 159"/>
+        <p:cNvPr id="156" name="Shape 156"/>
         <p:cNvGrpSpPr/>
         <p:nvPr/>
       </p:nvGrpSpPr>
@@ -12499,38 +13810,123 @@
       </p:grpSpPr>
       <p:sp>
         <p:nvSpPr>
-          <p:cNvPr id="160" name="Google Shape;160;p19"/>
-          <p:cNvSpPr/>
+          <p:cNvPr id="157" name="Google Shape;157;p19"/>
+          <p:cNvSpPr txBox="1"/>
           <p:nvPr/>
         </p:nvSpPr>
         <p:spPr>
           <a:xfrm>
-            <a:off x="390750" y="1338750"/>
-            <a:ext cx="7546800" cy="2971500"/>
+            <a:off x="527508" y="325650"/>
+            <a:ext cx="3078900" cy="369300"/>
           </a:xfrm>
           <a:prstGeom prst="rect">
             <a:avLst/>
           </a:prstGeom>
-          <a:solidFill>
-            <a:schemeClr val="lt2"/>
-          </a:solidFill>
-          <a:ln cap="flat" cmpd="sng" w="9525">
-            <a:solidFill>
-              <a:schemeClr val="dk2"/>
-            </a:solidFill>
-            <a:prstDash val="solid"/>
-            <a:round/>
-            <a:headEnd len="sm" w="sm" type="none"/>
-            <a:tailEnd len="sm" w="sm" type="none"/>
+          <a:noFill/>
+          <a:ln>
+            <a:noFill/>
           </a:ln>
         </p:spPr>
         <p:txBody>
-          <a:bodyPr anchorCtr="0" anchor="ctr" bIns="91425" lIns="91425" spcFirstLastPara="1" rIns="91425" wrap="square" tIns="91425">
+          <a:bodyPr anchorCtr="0" anchor="t" bIns="0" lIns="0" spcFirstLastPara="1" rIns="0" wrap="square" tIns="0">
+            <a:spAutoFit/>
+          </a:bodyPr>
+          <a:lstStyle/>
+          <a:p>
+            <a:pPr indent="0" lvl="0" marL="0" marR="0" rtl="0" algn="l">
+              <a:lnSpc>
+                <a:spcPct val="139995"/>
+              </a:lnSpc>
+              <a:spcBef>
+                <a:spcPts val="0"/>
+              </a:spcBef>
+              <a:spcAft>
+                <a:spcPts val="0"/>
+              </a:spcAft>
+              <a:buNone/>
+            </a:pPr>
+            <a:r>
+              <a:rPr b="1" lang="en" sz="2400"/>
+              <a:t>Data Ingestion</a:t>
+            </a:r>
+            <a:endParaRPr b="1" sz="2400"/>
+          </a:p>
+        </p:txBody>
+      </p:sp>
+      <p:sp>
+        <p:nvSpPr>
+          <p:cNvPr id="158" name="Google Shape;158;p19"/>
+          <p:cNvSpPr txBox="1"/>
+          <p:nvPr/>
+        </p:nvSpPr>
+        <p:spPr>
+          <a:xfrm>
+            <a:off x="444375" y="694950"/>
+            <a:ext cx="5310300" cy="1749600"/>
+          </a:xfrm>
+          <a:prstGeom prst="rect">
+            <a:avLst/>
+          </a:prstGeom>
+          <a:noFill/>
+          <a:ln>
+            <a:noFill/>
+          </a:ln>
+        </p:spPr>
+        <p:txBody>
+          <a:bodyPr anchorCtr="0" anchor="t" bIns="91425" lIns="91425" spcFirstLastPara="1" rIns="91425" wrap="square" tIns="91425">
             <a:noAutofit/>
           </a:bodyPr>
           <a:lstStyle/>
           <a:p>
-            <a:pPr indent="0" lvl="0" marL="0" rtl="0" algn="ctr">
+            <a:pPr indent="0" lvl="0" marL="0" rtl="0" algn="l">
+              <a:spcBef>
+                <a:spcPts val="0"/>
+              </a:spcBef>
+              <a:spcAft>
+                <a:spcPts val="0"/>
+              </a:spcAft>
+              <a:buNone/>
+            </a:pPr>
+            <a:r>
+              <a:rPr lang="en" sz="1300">
+                <a:solidFill>
+                  <a:schemeClr val="dk1"/>
+                </a:solidFill>
+              </a:rPr>
+              <a:t>Data ingested is a .pdf file starting with an introduction, and the resume in text form. </a:t>
+            </a:r>
+            <a:endParaRPr sz="1300">
+              <a:solidFill>
+                <a:schemeClr val="dk1"/>
+              </a:solidFill>
+            </a:endParaRPr>
+          </a:p>
+          <a:p>
+            <a:pPr indent="0" lvl="0" marL="0" rtl="0" algn="l">
+              <a:spcBef>
+                <a:spcPts val="0"/>
+              </a:spcBef>
+              <a:spcAft>
+                <a:spcPts val="0"/>
+              </a:spcAft>
+              <a:buNone/>
+            </a:pPr>
+            <a:r>
+              <a:rPr lang="en" sz="1300">
+                <a:solidFill>
+                  <a:schemeClr val="dk1"/>
+                </a:solidFill>
+              </a:rPr>
+              <a:t>Below is a sample snippet of data ingested for the web application:</a:t>
+            </a:r>
+            <a:endParaRPr sz="1300">
+              <a:solidFill>
+                <a:schemeClr val="dk1"/>
+              </a:solidFill>
+            </a:endParaRPr>
+          </a:p>
+          <a:p>
+            <a:pPr indent="0" lvl="0" marL="0" rtl="0" algn="l">
               <a:spcBef>
                 <a:spcPts val="0"/>
               </a:spcBef>
@@ -12542,13 +13938,17 @@
             <a:r>
               <a:t/>
             </a:r>
-            <a:endParaRPr/>
+            <a:endParaRPr sz="1500">
+              <a:solidFill>
+                <a:schemeClr val="dk2"/>
+              </a:solidFill>
+            </a:endParaRPr>
           </a:p>
         </p:txBody>
       </p:sp>
       <p:pic>
         <p:nvPicPr>
-          <p:cNvPr id="161" name="Google Shape;161;p19"/>
+          <p:cNvPr id="159" name="Google Shape;159;p19"/>
           <p:cNvPicPr preferRelativeResize="0"/>
           <p:nvPr/>
         </p:nvPicPr>
@@ -12562,28 +13962,34 @@
         </p:blipFill>
         <p:spPr>
           <a:xfrm>
-            <a:off x="677850" y="1805250"/>
-            <a:ext cx="2609850" cy="200025"/>
+            <a:off x="317325" y="1969225"/>
+            <a:ext cx="5132549" cy="1307500"/>
           </a:xfrm>
           <a:prstGeom prst="rect">
             <a:avLst/>
           </a:prstGeom>
           <a:noFill/>
-          <a:ln>
-            <a:noFill/>
+          <a:ln cap="flat" cmpd="sng" w="28575">
+            <a:solidFill>
+              <a:schemeClr val="dk2"/>
+            </a:solidFill>
+            <a:prstDash val="solid"/>
+            <a:round/>
+            <a:headEnd len="sm" w="sm" type="none"/>
+            <a:tailEnd len="sm" w="sm" type="none"/>
           </a:ln>
         </p:spPr>
       </p:pic>
       <p:sp>
         <p:nvSpPr>
-          <p:cNvPr id="162" name="Google Shape;162;p19"/>
+          <p:cNvPr id="160" name="Google Shape;160;p19"/>
           <p:cNvSpPr txBox="1"/>
           <p:nvPr/>
         </p:nvSpPr>
         <p:spPr>
           <a:xfrm>
-            <a:off x="622375" y="438925"/>
-            <a:ext cx="5710200" cy="466500"/>
+            <a:off x="444375" y="1431375"/>
+            <a:ext cx="3015600" cy="234900"/>
           </a:xfrm>
           <a:prstGeom prst="rect">
             <a:avLst/>
@@ -12609,22 +14015,14 @@
               <a:buNone/>
             </a:pPr>
             <a:r>
-              <a:rPr lang="en" sz="2100">
+              <a:rPr b="1" lang="en" sz="2000">
                 <a:solidFill>
                   <a:schemeClr val="dk1"/>
                 </a:solidFill>
               </a:rPr>
-              <a:t>Commands to run Flask Backend called </a:t>
-            </a:r>
-            <a:r>
-              <a:rPr b="1" lang="en" sz="2100" u="sng">
-                <a:solidFill>
-                  <a:schemeClr val="dk1"/>
-                </a:solidFill>
-              </a:rPr>
-              <a:t>run_resumeGPT_api.py</a:t>
-            </a:r>
-            <a:endParaRPr b="1" sz="2100" u="sng">
+              <a:t>Data for ingestion:</a:t>
+            </a:r>
+            <a:endParaRPr b="1" sz="2000">
               <a:solidFill>
                 <a:schemeClr val="dk1"/>
               </a:solidFill>
@@ -12632,109 +14030,9 @@
           </a:p>
         </p:txBody>
       </p:sp>
-      <p:sp>
-        <p:nvSpPr>
-          <p:cNvPr id="163" name="Google Shape;163;p19"/>
-          <p:cNvSpPr txBox="1"/>
-          <p:nvPr/>
-        </p:nvSpPr>
-        <p:spPr>
-          <a:xfrm>
-            <a:off x="622375" y="1338750"/>
-            <a:ext cx="6274800" cy="466500"/>
-          </a:xfrm>
-          <a:prstGeom prst="rect">
-            <a:avLst/>
-          </a:prstGeom>
-          <a:noFill/>
-          <a:ln>
-            <a:noFill/>
-          </a:ln>
-        </p:spPr>
-        <p:txBody>
-          <a:bodyPr anchorCtr="0" anchor="t" bIns="91425" lIns="91425" spcFirstLastPara="1" rIns="91425" wrap="square" tIns="91425">
-            <a:noAutofit/>
-          </a:bodyPr>
-          <a:lstStyle/>
-          <a:p>
-            <a:pPr indent="0" lvl="0" marL="0" rtl="0" algn="l">
-              <a:spcBef>
-                <a:spcPts val="0"/>
-              </a:spcBef>
-              <a:spcAft>
-                <a:spcPts val="0"/>
-              </a:spcAft>
-              <a:buNone/>
-            </a:pPr>
-            <a:r>
-              <a:rPr lang="en" sz="1100">
-                <a:solidFill>
-                  <a:schemeClr val="dk1"/>
-                </a:solidFill>
-              </a:rPr>
-              <a:t>To ingest data from the resume, navigate to /ResumeGPT and enter the following commands</a:t>
-            </a:r>
-            <a:endParaRPr sz="1100">
-              <a:solidFill>
-                <a:schemeClr val="dk1"/>
-              </a:solidFill>
-            </a:endParaRPr>
-          </a:p>
-        </p:txBody>
-      </p:sp>
-      <p:sp>
-        <p:nvSpPr>
-          <p:cNvPr id="164" name="Google Shape;164;p19"/>
-          <p:cNvSpPr txBox="1"/>
-          <p:nvPr/>
-        </p:nvSpPr>
-        <p:spPr>
-          <a:xfrm>
-            <a:off x="622375" y="2143650"/>
-            <a:ext cx="959400" cy="466500"/>
-          </a:xfrm>
-          <a:prstGeom prst="rect">
-            <a:avLst/>
-          </a:prstGeom>
-          <a:noFill/>
-          <a:ln>
-            <a:noFill/>
-          </a:ln>
-        </p:spPr>
-        <p:txBody>
-          <a:bodyPr anchorCtr="0" anchor="t" bIns="91425" lIns="91425" spcFirstLastPara="1" rIns="91425" wrap="square" tIns="91425">
-            <a:noAutofit/>
-          </a:bodyPr>
-          <a:lstStyle/>
-          <a:p>
-            <a:pPr indent="0" lvl="0" marL="0" rtl="0" algn="l">
-              <a:spcBef>
-                <a:spcPts val="0"/>
-              </a:spcBef>
-              <a:spcAft>
-                <a:spcPts val="0"/>
-              </a:spcAft>
-              <a:buNone/>
-            </a:pPr>
-            <a:r>
-              <a:rPr lang="en" sz="1100">
-                <a:solidFill>
-                  <a:schemeClr val="dk1"/>
-                </a:solidFill>
-              </a:rPr>
-              <a:t>Next, run:</a:t>
-            </a:r>
-            <a:endParaRPr sz="1100">
-              <a:solidFill>
-                <a:schemeClr val="dk1"/>
-              </a:solidFill>
-            </a:endParaRPr>
-          </a:p>
-        </p:txBody>
-      </p:sp>
       <p:pic>
         <p:nvPicPr>
-          <p:cNvPr id="165" name="Google Shape;165;p19"/>
+          <p:cNvPr id="161" name="Google Shape;161;p19"/>
           <p:cNvPicPr preferRelativeResize="0"/>
           <p:nvPr/>
         </p:nvPicPr>
@@ -12748,28 +14046,34 @@
         </p:blipFill>
         <p:spPr>
           <a:xfrm>
-            <a:off x="677850" y="2640175"/>
-            <a:ext cx="2482663" cy="200025"/>
+            <a:off x="5631675" y="1876500"/>
+            <a:ext cx="2738150" cy="2636500"/>
           </a:xfrm>
           <a:prstGeom prst="rect">
             <a:avLst/>
           </a:prstGeom>
           <a:noFill/>
-          <a:ln>
-            <a:noFill/>
+          <a:ln cap="flat" cmpd="sng" w="28575">
+            <a:solidFill>
+              <a:schemeClr val="dk2"/>
+            </a:solidFill>
+            <a:prstDash val="solid"/>
+            <a:round/>
+            <a:headEnd len="sm" w="sm" type="none"/>
+            <a:tailEnd len="sm" w="sm" type="none"/>
           </a:ln>
         </p:spPr>
       </p:pic>
       <p:sp>
         <p:nvSpPr>
-          <p:cNvPr id="166" name="Google Shape;166;p19"/>
+          <p:cNvPr id="162" name="Google Shape;162;p19"/>
           <p:cNvSpPr txBox="1"/>
           <p:nvPr/>
         </p:nvSpPr>
         <p:spPr>
           <a:xfrm>
-            <a:off x="591300" y="2948550"/>
-            <a:ext cx="2826600" cy="466500"/>
+            <a:off x="635000" y="3561975"/>
+            <a:ext cx="4086900" cy="1180500"/>
           </a:xfrm>
           <a:prstGeom prst="rect">
             <a:avLst/>
@@ -12795,14 +14099,59 @@
               <a:buNone/>
             </a:pPr>
             <a:r>
-              <a:rPr lang="en" sz="1100">
+              <a:t/>
+            </a:r>
+            <a:endParaRPr sz="1800">
+              <a:solidFill>
+                <a:schemeClr val="dk2"/>
+              </a:solidFill>
+            </a:endParaRPr>
+          </a:p>
+        </p:txBody>
+      </p:sp>
+      <p:sp>
+        <p:nvSpPr>
+          <p:cNvPr id="163" name="Google Shape;163;p19"/>
+          <p:cNvSpPr txBox="1"/>
+          <p:nvPr/>
+        </p:nvSpPr>
+        <p:spPr>
+          <a:xfrm>
+            <a:off x="444375" y="3480550"/>
+            <a:ext cx="4095000" cy="1188600"/>
+          </a:xfrm>
+          <a:prstGeom prst="rect">
+            <a:avLst/>
+          </a:prstGeom>
+          <a:noFill/>
+          <a:ln>
+            <a:noFill/>
+          </a:ln>
+        </p:spPr>
+        <p:txBody>
+          <a:bodyPr anchorCtr="0" anchor="t" bIns="91425" lIns="91425" spcFirstLastPara="1" rIns="91425" wrap="square" tIns="91425">
+            <a:noAutofit/>
+          </a:bodyPr>
+          <a:lstStyle/>
+          <a:p>
+            <a:pPr indent="0" lvl="0" marL="0" rtl="0" algn="l">
+              <a:spcBef>
+                <a:spcPts val="0"/>
+              </a:spcBef>
+              <a:spcAft>
+                <a:spcPts val="0"/>
+              </a:spcAft>
+              <a:buNone/>
+            </a:pPr>
+            <a:r>
+              <a:rPr lang="en">
                 <a:solidFill>
                   <a:schemeClr val="dk1"/>
                 </a:solidFill>
               </a:rPr>
-              <a:t>If successful, it should show it is running:</a:t>
-            </a:r>
-            <a:endParaRPr sz="1100">
+              <a:t>This .pdf file is placed in resumeGPT/SOURCE_DOCUMENTS</a:t>
+            </a:r>
+            <a:endParaRPr>
               <a:solidFill>
                 <a:schemeClr val="dk1"/>
               </a:solidFill>
@@ -12810,34 +14159,6 @@
           </a:p>
         </p:txBody>
       </p:sp>
-      <p:pic>
-        <p:nvPicPr>
-          <p:cNvPr id="167" name="Google Shape;167;p19"/>
-          <p:cNvPicPr preferRelativeResize="0"/>
-          <p:nvPr/>
-        </p:nvPicPr>
-        <p:blipFill>
-          <a:blip r:embed="rId5">
-            <a:alphaModFix/>
-          </a:blip>
-          <a:stretch>
-            <a:fillRect/>
-          </a:stretch>
-        </p:blipFill>
-        <p:spPr>
-          <a:xfrm>
-            <a:off x="677850" y="3344100"/>
-            <a:ext cx="2857500" cy="371475"/>
-          </a:xfrm>
-          <a:prstGeom prst="rect">
-            <a:avLst/>
-          </a:prstGeom>
-          <a:noFill/>
-          <a:ln>
-            <a:noFill/>
-          </a:ln>
-        </p:spPr>
-      </p:pic>
     </p:spTree>
   </p:cSld>
   <p:clrMapOvr>
@@ -12851,7 +14172,7 @@
   <p:cSld>
     <p:spTree>
       <p:nvGrpSpPr>
-        <p:cNvPr id="175" name="Shape 175"/>
+        <p:cNvPr id="171" name="Shape 171"/>
         <p:cNvGrpSpPr/>
         <p:nvPr/>
       </p:nvGrpSpPr>
@@ -12865,13 +14186,13 @@
       </p:grpSpPr>
       <p:sp>
         <p:nvSpPr>
-          <p:cNvPr id="176" name="Google Shape;176;p20"/>
+          <p:cNvPr id="172" name="Google Shape;172;p20"/>
           <p:cNvSpPr/>
           <p:nvPr/>
         </p:nvSpPr>
         <p:spPr>
           <a:xfrm>
-            <a:off x="529150" y="1216650"/>
+            <a:off x="390750" y="1338750"/>
             <a:ext cx="7546800" cy="2971500"/>
           </a:xfrm>
           <a:prstGeom prst="rect">
@@ -12912,191 +14233,9 @@
           </a:p>
         </p:txBody>
       </p:sp>
-      <p:sp>
-        <p:nvSpPr>
-          <p:cNvPr id="177" name="Google Shape;177;p20"/>
-          <p:cNvSpPr txBox="1"/>
-          <p:nvPr/>
-        </p:nvSpPr>
-        <p:spPr>
-          <a:xfrm>
-            <a:off x="753500" y="469075"/>
-            <a:ext cx="4741800" cy="466500"/>
-          </a:xfrm>
-          <a:prstGeom prst="rect">
-            <a:avLst/>
-          </a:prstGeom>
-          <a:noFill/>
-          <a:ln>
-            <a:noFill/>
-          </a:ln>
-        </p:spPr>
-        <p:txBody>
-          <a:bodyPr anchorCtr="0" anchor="t" bIns="91425" lIns="91425" spcFirstLastPara="1" rIns="91425" wrap="square" tIns="91425">
-            <a:noAutofit/>
-          </a:bodyPr>
-          <a:lstStyle/>
-          <a:p>
-            <a:pPr indent="0" lvl="0" marL="0" rtl="0" algn="l">
-              <a:spcBef>
-                <a:spcPts val="0"/>
-              </a:spcBef>
-              <a:spcAft>
-                <a:spcPts val="0"/>
-              </a:spcAft>
-              <a:buNone/>
-            </a:pPr>
-            <a:r>
-              <a:rPr lang="en" sz="1800">
-                <a:solidFill>
-                  <a:schemeClr val="dk1"/>
-                </a:solidFill>
-              </a:rPr>
-              <a:t>Commands to run Flask Frontend called </a:t>
-            </a:r>
-            <a:r>
-              <a:rPr b="1" lang="en" sz="1800" u="sng">
-                <a:solidFill>
-                  <a:schemeClr val="dk1"/>
-                </a:solidFill>
-              </a:rPr>
-              <a:t>resumeGPTUI.py</a:t>
-            </a:r>
-            <a:endParaRPr b="1" sz="1800" u="sng">
-              <a:solidFill>
-                <a:schemeClr val="dk1"/>
-              </a:solidFill>
-            </a:endParaRPr>
-          </a:p>
-        </p:txBody>
-      </p:sp>
-      <p:sp>
-        <p:nvSpPr>
-          <p:cNvPr id="178" name="Google Shape;178;p20"/>
-          <p:cNvSpPr txBox="1"/>
-          <p:nvPr/>
-        </p:nvSpPr>
-        <p:spPr>
-          <a:xfrm>
-            <a:off x="622375" y="1216650"/>
-            <a:ext cx="7201200" cy="466500"/>
-          </a:xfrm>
-          <a:prstGeom prst="rect">
-            <a:avLst/>
-          </a:prstGeom>
-          <a:noFill/>
-          <a:ln>
-            <a:noFill/>
-          </a:ln>
-        </p:spPr>
-        <p:txBody>
-          <a:bodyPr anchorCtr="0" anchor="t" bIns="91425" lIns="91425" spcFirstLastPara="1" rIns="91425" wrap="square" tIns="91425">
-            <a:noAutofit/>
-          </a:bodyPr>
-          <a:lstStyle/>
-          <a:p>
-            <a:pPr indent="0" lvl="0" marL="0" rtl="0" algn="l">
-              <a:spcBef>
-                <a:spcPts val="0"/>
-              </a:spcBef>
-              <a:spcAft>
-                <a:spcPts val="0"/>
-              </a:spcAft>
-              <a:buNone/>
-            </a:pPr>
-            <a:r>
-              <a:rPr lang="en" sz="1300">
-                <a:solidFill>
-                  <a:schemeClr val="dk1"/>
-                </a:solidFill>
-              </a:rPr>
-              <a:t>To run the frontend, navigate to resumeGPT/resumeGPTUI and enter </a:t>
-            </a:r>
-            <a:endParaRPr sz="1300">
-              <a:solidFill>
-                <a:schemeClr val="dk1"/>
-              </a:solidFill>
-            </a:endParaRPr>
-          </a:p>
-          <a:p>
-            <a:pPr indent="0" lvl="0" marL="0" rtl="0" algn="l">
-              <a:spcBef>
-                <a:spcPts val="0"/>
-              </a:spcBef>
-              <a:spcAft>
-                <a:spcPts val="0"/>
-              </a:spcAft>
-              <a:buNone/>
-            </a:pPr>
-            <a:r>
-              <a:rPr lang="en" sz="1300">
-                <a:solidFill>
-                  <a:schemeClr val="dk1"/>
-                </a:solidFill>
-              </a:rPr>
-              <a:t>the following commands:</a:t>
-            </a:r>
-            <a:endParaRPr sz="1300">
-              <a:solidFill>
-                <a:schemeClr val="dk1"/>
-              </a:solidFill>
-            </a:endParaRPr>
-          </a:p>
-        </p:txBody>
-      </p:sp>
-      <p:sp>
-        <p:nvSpPr>
-          <p:cNvPr id="179" name="Google Shape;179;p20"/>
-          <p:cNvSpPr txBox="1"/>
-          <p:nvPr/>
-        </p:nvSpPr>
-        <p:spPr>
-          <a:xfrm>
-            <a:off x="622375" y="2143575"/>
-            <a:ext cx="3277200" cy="466500"/>
-          </a:xfrm>
-          <a:prstGeom prst="rect">
-            <a:avLst/>
-          </a:prstGeom>
-          <a:noFill/>
-          <a:ln>
-            <a:noFill/>
-          </a:ln>
-        </p:spPr>
-        <p:txBody>
-          <a:bodyPr anchorCtr="0" anchor="t" bIns="91425" lIns="91425" spcFirstLastPara="1" rIns="91425" wrap="square" tIns="91425">
-            <a:noAutofit/>
-          </a:bodyPr>
-          <a:lstStyle/>
-          <a:p>
-            <a:pPr indent="0" lvl="0" marL="0" rtl="0" algn="l">
-              <a:spcBef>
-                <a:spcPts val="0"/>
-              </a:spcBef>
-              <a:spcAft>
-                <a:spcPts val="0"/>
-              </a:spcAft>
-              <a:buNone/>
-            </a:pPr>
-            <a:r>
-              <a:rPr lang="en" sz="1300">
-                <a:solidFill>
-                  <a:schemeClr val="dk1"/>
-                </a:solidFill>
-              </a:rPr>
-              <a:t>If successful, it should show it is running:</a:t>
-            </a:r>
-            <a:endParaRPr sz="1300">
-              <a:solidFill>
-                <a:schemeClr val="dk1"/>
-              </a:solidFill>
-            </a:endParaRPr>
-          </a:p>
-        </p:txBody>
-      </p:sp>
       <p:pic>
         <p:nvPicPr>
-          <p:cNvPr id="180" name="Google Shape;180;p20"/>
+          <p:cNvPr id="173" name="Google Shape;173;p20"/>
           <p:cNvPicPr preferRelativeResize="0"/>
           <p:nvPr/>
         </p:nvPicPr>
@@ -13110,8 +14249,8 @@
         </p:blipFill>
         <p:spPr>
           <a:xfrm>
-            <a:off x="709875" y="1872938"/>
-            <a:ext cx="2083700" cy="202950"/>
+            <a:off x="677850" y="1805250"/>
+            <a:ext cx="2609850" cy="200025"/>
           </a:xfrm>
           <a:prstGeom prst="rect">
             <a:avLst/>
@@ -13122,9 +14261,167 @@
           </a:ln>
         </p:spPr>
       </p:pic>
+      <p:sp>
+        <p:nvSpPr>
+          <p:cNvPr id="174" name="Google Shape;174;p20"/>
+          <p:cNvSpPr txBox="1"/>
+          <p:nvPr/>
+        </p:nvSpPr>
+        <p:spPr>
+          <a:xfrm>
+            <a:off x="622375" y="438925"/>
+            <a:ext cx="5710200" cy="466500"/>
+          </a:xfrm>
+          <a:prstGeom prst="rect">
+            <a:avLst/>
+          </a:prstGeom>
+          <a:noFill/>
+          <a:ln>
+            <a:noFill/>
+          </a:ln>
+        </p:spPr>
+        <p:txBody>
+          <a:bodyPr anchorCtr="0" anchor="t" bIns="91425" lIns="91425" spcFirstLastPara="1" rIns="91425" wrap="square" tIns="91425">
+            <a:noAutofit/>
+          </a:bodyPr>
+          <a:lstStyle/>
+          <a:p>
+            <a:pPr indent="0" lvl="0" marL="0" rtl="0" algn="l">
+              <a:spcBef>
+                <a:spcPts val="0"/>
+              </a:spcBef>
+              <a:spcAft>
+                <a:spcPts val="0"/>
+              </a:spcAft>
+              <a:buNone/>
+            </a:pPr>
+            <a:r>
+              <a:rPr lang="en" sz="2100">
+                <a:solidFill>
+                  <a:schemeClr val="dk1"/>
+                </a:solidFill>
+              </a:rPr>
+              <a:t>Commands to run Flask Backend called </a:t>
+            </a:r>
+            <a:r>
+              <a:rPr b="1" lang="en" sz="2100" u="sng">
+                <a:solidFill>
+                  <a:schemeClr val="dk1"/>
+                </a:solidFill>
+              </a:rPr>
+              <a:t>run_resumeGPT_api.py</a:t>
+            </a:r>
+            <a:endParaRPr b="1" sz="2100" u="sng">
+              <a:solidFill>
+                <a:schemeClr val="dk1"/>
+              </a:solidFill>
+            </a:endParaRPr>
+          </a:p>
+        </p:txBody>
+      </p:sp>
+      <p:sp>
+        <p:nvSpPr>
+          <p:cNvPr id="175" name="Google Shape;175;p20"/>
+          <p:cNvSpPr txBox="1"/>
+          <p:nvPr/>
+        </p:nvSpPr>
+        <p:spPr>
+          <a:xfrm>
+            <a:off x="622375" y="1338750"/>
+            <a:ext cx="6274800" cy="466500"/>
+          </a:xfrm>
+          <a:prstGeom prst="rect">
+            <a:avLst/>
+          </a:prstGeom>
+          <a:noFill/>
+          <a:ln>
+            <a:noFill/>
+          </a:ln>
+        </p:spPr>
+        <p:txBody>
+          <a:bodyPr anchorCtr="0" anchor="t" bIns="91425" lIns="91425" spcFirstLastPara="1" rIns="91425" wrap="square" tIns="91425">
+            <a:noAutofit/>
+          </a:bodyPr>
+          <a:lstStyle/>
+          <a:p>
+            <a:pPr indent="0" lvl="0" marL="0" rtl="0" algn="l">
+              <a:spcBef>
+                <a:spcPts val="0"/>
+              </a:spcBef>
+              <a:spcAft>
+                <a:spcPts val="0"/>
+              </a:spcAft>
+              <a:buNone/>
+            </a:pPr>
+            <a:r>
+              <a:rPr lang="en" sz="1100">
+                <a:solidFill>
+                  <a:schemeClr val="dk1"/>
+                </a:solidFill>
+              </a:rPr>
+              <a:t>To ingest data from the resume, navigate to /ResumeGPT and enter the following commands</a:t>
+            </a:r>
+            <a:endParaRPr sz="1100">
+              <a:solidFill>
+                <a:schemeClr val="dk1"/>
+              </a:solidFill>
+            </a:endParaRPr>
+          </a:p>
+        </p:txBody>
+      </p:sp>
+      <p:sp>
+        <p:nvSpPr>
+          <p:cNvPr id="176" name="Google Shape;176;p20"/>
+          <p:cNvSpPr txBox="1"/>
+          <p:nvPr/>
+        </p:nvSpPr>
+        <p:spPr>
+          <a:xfrm>
+            <a:off x="622375" y="2143650"/>
+            <a:ext cx="959400" cy="466500"/>
+          </a:xfrm>
+          <a:prstGeom prst="rect">
+            <a:avLst/>
+          </a:prstGeom>
+          <a:noFill/>
+          <a:ln>
+            <a:noFill/>
+          </a:ln>
+        </p:spPr>
+        <p:txBody>
+          <a:bodyPr anchorCtr="0" anchor="t" bIns="91425" lIns="91425" spcFirstLastPara="1" rIns="91425" wrap="square" tIns="91425">
+            <a:noAutofit/>
+          </a:bodyPr>
+          <a:lstStyle/>
+          <a:p>
+            <a:pPr indent="0" lvl="0" marL="0" rtl="0" algn="l">
+              <a:spcBef>
+                <a:spcPts val="0"/>
+              </a:spcBef>
+              <a:spcAft>
+                <a:spcPts val="0"/>
+              </a:spcAft>
+              <a:buNone/>
+            </a:pPr>
+            <a:r>
+              <a:rPr lang="en" sz="1100">
+                <a:solidFill>
+                  <a:schemeClr val="dk1"/>
+                </a:solidFill>
+              </a:rPr>
+              <a:t>Next, run:</a:t>
+            </a:r>
+            <a:endParaRPr sz="1100">
+              <a:solidFill>
+                <a:schemeClr val="dk1"/>
+              </a:solidFill>
+            </a:endParaRPr>
+          </a:p>
+        </p:txBody>
+      </p:sp>
       <p:pic>
         <p:nvPicPr>
-          <p:cNvPr id="181" name="Google Shape;181;p20"/>
+          <p:cNvPr id="177" name="Google Shape;177;p20"/>
           <p:cNvPicPr preferRelativeResize="0"/>
           <p:nvPr/>
         </p:nvPicPr>
@@ -13138,8 +14435,86 @@
         </p:blipFill>
         <p:spPr>
           <a:xfrm>
-            <a:off x="709875" y="2526425"/>
-            <a:ext cx="4133850" cy="952500"/>
+            <a:off x="677850" y="2640175"/>
+            <a:ext cx="2482663" cy="200025"/>
+          </a:xfrm>
+          <a:prstGeom prst="rect">
+            <a:avLst/>
+          </a:prstGeom>
+          <a:noFill/>
+          <a:ln>
+            <a:noFill/>
+          </a:ln>
+        </p:spPr>
+      </p:pic>
+      <p:sp>
+        <p:nvSpPr>
+          <p:cNvPr id="178" name="Google Shape;178;p20"/>
+          <p:cNvSpPr txBox="1"/>
+          <p:nvPr/>
+        </p:nvSpPr>
+        <p:spPr>
+          <a:xfrm>
+            <a:off x="591300" y="2948550"/>
+            <a:ext cx="2826600" cy="466500"/>
+          </a:xfrm>
+          <a:prstGeom prst="rect">
+            <a:avLst/>
+          </a:prstGeom>
+          <a:noFill/>
+          <a:ln>
+            <a:noFill/>
+          </a:ln>
+        </p:spPr>
+        <p:txBody>
+          <a:bodyPr anchorCtr="0" anchor="t" bIns="91425" lIns="91425" spcFirstLastPara="1" rIns="91425" wrap="square" tIns="91425">
+            <a:noAutofit/>
+          </a:bodyPr>
+          <a:lstStyle/>
+          <a:p>
+            <a:pPr indent="0" lvl="0" marL="0" rtl="0" algn="l">
+              <a:spcBef>
+                <a:spcPts val="0"/>
+              </a:spcBef>
+              <a:spcAft>
+                <a:spcPts val="0"/>
+              </a:spcAft>
+              <a:buNone/>
+            </a:pPr>
+            <a:r>
+              <a:rPr lang="en" sz="1100">
+                <a:solidFill>
+                  <a:schemeClr val="dk1"/>
+                </a:solidFill>
+              </a:rPr>
+              <a:t>If successful, it should show it is running:</a:t>
+            </a:r>
+            <a:endParaRPr sz="1100">
+              <a:solidFill>
+                <a:schemeClr val="dk1"/>
+              </a:solidFill>
+            </a:endParaRPr>
+          </a:p>
+        </p:txBody>
+      </p:sp>
+      <p:pic>
+        <p:nvPicPr>
+          <p:cNvPr id="179" name="Google Shape;179;p20"/>
+          <p:cNvPicPr preferRelativeResize="0"/>
+          <p:nvPr/>
+        </p:nvPicPr>
+        <p:blipFill>
+          <a:blip r:embed="rId5">
+            <a:alphaModFix/>
+          </a:blip>
+          <a:stretch>
+            <a:fillRect/>
+          </a:stretch>
+        </p:blipFill>
+        <p:spPr>
+          <a:xfrm>
+            <a:off x="677850" y="3344100"/>
+            <a:ext cx="2857500" cy="371475"/>
           </a:xfrm>
           <a:prstGeom prst="rect">
             <a:avLst/>
@@ -13163,7 +14538,7 @@
   <p:cSld>
     <p:spTree>
       <p:nvGrpSpPr>
-        <p:cNvPr id="185" name="Shape 185"/>
+        <p:cNvPr id="187" name="Shape 187"/>
         <p:cNvGrpSpPr/>
         <p:nvPr/>
       </p:nvGrpSpPr>
@@ -13177,14 +14552,63 @@
       </p:grpSpPr>
       <p:sp>
         <p:nvSpPr>
-          <p:cNvPr id="186" name="Google Shape;186;p21"/>
+          <p:cNvPr id="188" name="Google Shape;188;p21"/>
+          <p:cNvSpPr/>
+          <p:nvPr/>
+        </p:nvSpPr>
+        <p:spPr>
+          <a:xfrm>
+            <a:off x="529150" y="1216650"/>
+            <a:ext cx="7546800" cy="2971500"/>
+          </a:xfrm>
+          <a:prstGeom prst="rect">
+            <a:avLst/>
+          </a:prstGeom>
+          <a:solidFill>
+            <a:schemeClr val="lt2"/>
+          </a:solidFill>
+          <a:ln cap="flat" cmpd="sng" w="9525">
+            <a:solidFill>
+              <a:schemeClr val="dk2"/>
+            </a:solidFill>
+            <a:prstDash val="solid"/>
+            <a:round/>
+            <a:headEnd len="sm" w="sm" type="none"/>
+            <a:tailEnd len="sm" w="sm" type="none"/>
+          </a:ln>
+        </p:spPr>
+        <p:txBody>
+          <a:bodyPr anchorCtr="0" anchor="ctr" bIns="91425" lIns="91425" spcFirstLastPara="1" rIns="91425" wrap="square" tIns="91425">
+            <a:noAutofit/>
+          </a:bodyPr>
+          <a:lstStyle/>
+          <a:p>
+            <a:pPr indent="0" lvl="0" marL="0" rtl="0" algn="ctr">
+              <a:spcBef>
+                <a:spcPts val="0"/>
+              </a:spcBef>
+              <a:spcAft>
+                <a:spcPts val="0"/>
+              </a:spcAft>
+              <a:buNone/>
+            </a:pPr>
+            <a:r>
+              <a:t/>
+            </a:r>
+            <a:endParaRPr/>
+          </a:p>
+        </p:txBody>
+      </p:sp>
+      <p:sp>
+        <p:nvSpPr>
+          <p:cNvPr id="189" name="Google Shape;189;p21"/>
           <p:cNvSpPr txBox="1"/>
           <p:nvPr/>
         </p:nvSpPr>
         <p:spPr>
           <a:xfrm>
-            <a:off x="-610575" y="140225"/>
-            <a:ext cx="5815500" cy="307800"/>
+            <a:off x="753500" y="469075"/>
+            <a:ext cx="4741800" cy="466500"/>
           </a:xfrm>
           <a:prstGeom prst="rect">
             <a:avLst/>
@@ -13195,34 +14619,171 @@
           </a:ln>
         </p:spPr>
         <p:txBody>
-          <a:bodyPr anchorCtr="0" anchor="t" bIns="0" lIns="0" spcFirstLastPara="1" rIns="0" wrap="square" tIns="0">
-            <a:spAutoFit/>
+          <a:bodyPr anchorCtr="0" anchor="t" bIns="91425" lIns="91425" spcFirstLastPara="1" rIns="91425" wrap="square" tIns="91425">
+            <a:noAutofit/>
           </a:bodyPr>
           <a:lstStyle/>
           <a:p>
-            <a:pPr indent="0" lvl="0" marL="0" marR="0" rtl="0" algn="ctr">
-              <a:lnSpc>
-                <a:spcPct val="140007"/>
-              </a:lnSpc>
-              <a:spcBef>
-                <a:spcPts val="0"/>
-              </a:spcBef>
-              <a:spcAft>
-                <a:spcPts val="0"/>
-              </a:spcAft>
-              <a:buNone/>
-            </a:pPr>
-            <a:r>
-              <a:rPr b="1" lang="en" sz="2000"/>
-              <a:t>Application Front-end Design</a:t>
-            </a:r>
-            <a:endParaRPr b="1" sz="2000"/>
+            <a:pPr indent="0" lvl="0" marL="0" rtl="0" algn="l">
+              <a:spcBef>
+                <a:spcPts val="0"/>
+              </a:spcBef>
+              <a:spcAft>
+                <a:spcPts val="0"/>
+              </a:spcAft>
+              <a:buNone/>
+            </a:pPr>
+            <a:r>
+              <a:rPr lang="en" sz="1800">
+                <a:solidFill>
+                  <a:schemeClr val="dk1"/>
+                </a:solidFill>
+              </a:rPr>
+              <a:t>Commands to run Flask Frontend called </a:t>
+            </a:r>
+            <a:r>
+              <a:rPr b="1" lang="en" sz="1800" u="sng">
+                <a:solidFill>
+                  <a:schemeClr val="dk1"/>
+                </a:solidFill>
+              </a:rPr>
+              <a:t>resumeGPTUI.py</a:t>
+            </a:r>
+            <a:endParaRPr b="1" sz="1800" u="sng">
+              <a:solidFill>
+                <a:schemeClr val="dk1"/>
+              </a:solidFill>
+            </a:endParaRPr>
+          </a:p>
+        </p:txBody>
+      </p:sp>
+      <p:sp>
+        <p:nvSpPr>
+          <p:cNvPr id="190" name="Google Shape;190;p21"/>
+          <p:cNvSpPr txBox="1"/>
+          <p:nvPr/>
+        </p:nvSpPr>
+        <p:spPr>
+          <a:xfrm>
+            <a:off x="622375" y="1216650"/>
+            <a:ext cx="7201200" cy="466500"/>
+          </a:xfrm>
+          <a:prstGeom prst="rect">
+            <a:avLst/>
+          </a:prstGeom>
+          <a:noFill/>
+          <a:ln>
+            <a:noFill/>
+          </a:ln>
+        </p:spPr>
+        <p:txBody>
+          <a:bodyPr anchorCtr="0" anchor="t" bIns="91425" lIns="91425" spcFirstLastPara="1" rIns="91425" wrap="square" tIns="91425">
+            <a:noAutofit/>
+          </a:bodyPr>
+          <a:lstStyle/>
+          <a:p>
+            <a:pPr indent="0" lvl="0" marL="0" rtl="0" algn="l">
+              <a:spcBef>
+                <a:spcPts val="0"/>
+              </a:spcBef>
+              <a:spcAft>
+                <a:spcPts val="0"/>
+              </a:spcAft>
+              <a:buNone/>
+            </a:pPr>
+            <a:r>
+              <a:rPr lang="en" sz="1300">
+                <a:solidFill>
+                  <a:schemeClr val="dk1"/>
+                </a:solidFill>
+              </a:rPr>
+              <a:t>To run the frontend, navigate to resumeGPT/resumeGPTUI and enter </a:t>
+            </a:r>
+            <a:endParaRPr sz="1300">
+              <a:solidFill>
+                <a:schemeClr val="dk1"/>
+              </a:solidFill>
+            </a:endParaRPr>
+          </a:p>
+          <a:p>
+            <a:pPr indent="0" lvl="0" marL="0" rtl="0" algn="l">
+              <a:spcBef>
+                <a:spcPts val="0"/>
+              </a:spcBef>
+              <a:spcAft>
+                <a:spcPts val="0"/>
+              </a:spcAft>
+              <a:buNone/>
+            </a:pPr>
+            <a:r>
+              <a:rPr lang="en" sz="1300">
+                <a:solidFill>
+                  <a:schemeClr val="dk1"/>
+                </a:solidFill>
+              </a:rPr>
+              <a:t>the following commands:</a:t>
+            </a:r>
+            <a:endParaRPr sz="1300">
+              <a:solidFill>
+                <a:schemeClr val="dk1"/>
+              </a:solidFill>
+            </a:endParaRPr>
+          </a:p>
+        </p:txBody>
+      </p:sp>
+      <p:sp>
+        <p:nvSpPr>
+          <p:cNvPr id="191" name="Google Shape;191;p21"/>
+          <p:cNvSpPr txBox="1"/>
+          <p:nvPr/>
+        </p:nvSpPr>
+        <p:spPr>
+          <a:xfrm>
+            <a:off x="622375" y="2143575"/>
+            <a:ext cx="3277200" cy="466500"/>
+          </a:xfrm>
+          <a:prstGeom prst="rect">
+            <a:avLst/>
+          </a:prstGeom>
+          <a:noFill/>
+          <a:ln>
+            <a:noFill/>
+          </a:ln>
+        </p:spPr>
+        <p:txBody>
+          <a:bodyPr anchorCtr="0" anchor="t" bIns="91425" lIns="91425" spcFirstLastPara="1" rIns="91425" wrap="square" tIns="91425">
+            <a:noAutofit/>
+          </a:bodyPr>
+          <a:lstStyle/>
+          <a:p>
+            <a:pPr indent="0" lvl="0" marL="0" rtl="0" algn="l">
+              <a:spcBef>
+                <a:spcPts val="0"/>
+              </a:spcBef>
+              <a:spcAft>
+                <a:spcPts val="0"/>
+              </a:spcAft>
+              <a:buNone/>
+            </a:pPr>
+            <a:r>
+              <a:rPr lang="en" sz="1300">
+                <a:solidFill>
+                  <a:schemeClr val="dk1"/>
+                </a:solidFill>
+              </a:rPr>
+              <a:t>If successful, it should show it is running:</a:t>
+            </a:r>
+            <a:endParaRPr sz="1300">
+              <a:solidFill>
+                <a:schemeClr val="dk1"/>
+              </a:solidFill>
+            </a:endParaRPr>
           </a:p>
         </p:txBody>
       </p:sp>
       <p:pic>
         <p:nvPicPr>
-          <p:cNvPr id="187" name="Google Shape;187;p21"/>
+          <p:cNvPr id="192" name="Google Shape;192;p21"/>
           <p:cNvPicPr preferRelativeResize="0"/>
           <p:nvPr/>
         </p:nvPicPr>
@@ -13236,8 +14797,8 @@
         </p:blipFill>
         <p:spPr>
           <a:xfrm>
-            <a:off x="327813" y="564850"/>
-            <a:ext cx="8426529" cy="4578650"/>
+            <a:off x="709875" y="1872938"/>
+            <a:ext cx="2083700" cy="202950"/>
           </a:xfrm>
           <a:prstGeom prst="rect">
             <a:avLst/>
@@ -13248,24 +14809,121 @@
           </a:ln>
         </p:spPr>
       </p:pic>
+      <p:pic>
+        <p:nvPicPr>
+          <p:cNvPr id="193" name="Google Shape;193;p21"/>
+          <p:cNvPicPr preferRelativeResize="0"/>
+          <p:nvPr/>
+        </p:nvPicPr>
+        <p:blipFill>
+          <a:blip r:embed="rId4">
+            <a:alphaModFix/>
+          </a:blip>
+          <a:stretch>
+            <a:fillRect/>
+          </a:stretch>
+        </p:blipFill>
+        <p:spPr>
+          <a:xfrm>
+            <a:off x="709875" y="2526425"/>
+            <a:ext cx="4133850" cy="952500"/>
+          </a:xfrm>
+          <a:prstGeom prst="rect">
+            <a:avLst/>
+          </a:prstGeom>
+          <a:noFill/>
+          <a:ln>
+            <a:noFill/>
+          </a:ln>
+        </p:spPr>
+      </p:pic>
+      <p:sp>
+        <p:nvSpPr>
+          <p:cNvPr id="194" name="Google Shape;194;p21"/>
+          <p:cNvSpPr txBox="1"/>
+          <p:nvPr/>
+        </p:nvSpPr>
+        <p:spPr>
+          <a:xfrm>
+            <a:off x="753500" y="3600400"/>
+            <a:ext cx="3277200" cy="466500"/>
+          </a:xfrm>
+          <a:prstGeom prst="rect">
+            <a:avLst/>
+          </a:prstGeom>
+          <a:noFill/>
+          <a:ln>
+            <a:noFill/>
+          </a:ln>
+        </p:spPr>
+        <p:txBody>
+          <a:bodyPr anchorCtr="0" anchor="t" bIns="91425" lIns="91425" spcFirstLastPara="1" rIns="91425" wrap="square" tIns="91425">
+            <a:noAutofit/>
+          </a:bodyPr>
+          <a:lstStyle/>
+          <a:p>
+            <a:pPr indent="0" lvl="0" marL="0" rtl="0" algn="l">
+              <a:spcBef>
+                <a:spcPts val="0"/>
+              </a:spcBef>
+              <a:spcAft>
+                <a:spcPts val="0"/>
+              </a:spcAft>
+              <a:buNone/>
+            </a:pPr>
+            <a:r>
+              <a:rPr lang="en" sz="1200">
+                <a:solidFill>
+                  <a:schemeClr val="dk1"/>
+                </a:solidFill>
+              </a:rPr>
+              <a:t>Click on the hosted link shown</a:t>
+            </a:r>
+            <a:endParaRPr sz="1200">
+              <a:solidFill>
+                <a:schemeClr val="dk1"/>
+              </a:solidFill>
+            </a:endParaRPr>
+          </a:p>
+          <a:p>
+            <a:pPr indent="0" lvl="0" marL="0" rtl="0" algn="l">
+              <a:spcBef>
+                <a:spcPts val="0"/>
+              </a:spcBef>
+              <a:spcAft>
+                <a:spcPts val="0"/>
+              </a:spcAft>
+              <a:buNone/>
+            </a:pPr>
+            <a:r>
+              <a:t/>
+            </a:r>
+            <a:endParaRPr sz="1200">
+              <a:solidFill>
+                <a:schemeClr val="dk1"/>
+              </a:solidFill>
+            </a:endParaRPr>
+          </a:p>
+        </p:txBody>
+      </p:sp>
       <p:cxnSp>
         <p:nvCxnSpPr>
-          <p:cNvPr id="188" name="Google Shape;188;p21"/>
+          <p:cNvPr id="195" name="Google Shape;195;p21"/>
           <p:cNvCxnSpPr/>
           <p:nvPr/>
         </p:nvCxnSpPr>
         <p:spPr>
-          <a:xfrm>
-            <a:off x="1427350" y="850250"/>
-            <a:ext cx="1483800" cy="711000"/>
+          <a:xfrm flipH="1">
+            <a:off x="2855550" y="3323075"/>
+            <a:ext cx="228600" cy="352500"/>
           </a:xfrm>
           <a:prstGeom prst="straightConnector1">
             <a:avLst/>
           </a:prstGeom>
           <a:noFill/>
-          <a:ln cap="flat" cmpd="sng" w="38100">
+          <a:ln cap="flat" cmpd="sng" w="28575">
             <a:solidFill>
-              <a:schemeClr val="dk1"/>
+              <a:srgbClr val="FF0000"/>
             </a:solidFill>
             <a:prstDash val="solid"/>
             <a:round/>
@@ -13274,132 +14932,6 @@
           </a:ln>
         </p:spPr>
       </p:cxnSp>
-      <p:sp>
-        <p:nvSpPr>
-          <p:cNvPr id="189" name="Google Shape;189;p21"/>
-          <p:cNvSpPr txBox="1"/>
-          <p:nvPr/>
-        </p:nvSpPr>
-        <p:spPr>
-          <a:xfrm>
-            <a:off x="2959300" y="1357175"/>
-            <a:ext cx="2788200" cy="711000"/>
-          </a:xfrm>
-          <a:prstGeom prst="rect">
-            <a:avLst/>
-          </a:prstGeom>
-          <a:noFill/>
-          <a:ln>
-            <a:noFill/>
-          </a:ln>
-        </p:spPr>
-        <p:txBody>
-          <a:bodyPr anchorCtr="0" anchor="t" bIns="91425" lIns="91425" spcFirstLastPara="1" rIns="91425" wrap="square" tIns="91425">
-            <a:noAutofit/>
-          </a:bodyPr>
-          <a:lstStyle/>
-          <a:p>
-            <a:pPr indent="0" lvl="0" marL="0" rtl="0" algn="l">
-              <a:spcBef>
-                <a:spcPts val="0"/>
-              </a:spcBef>
-              <a:spcAft>
-                <a:spcPts val="0"/>
-              </a:spcAft>
-              <a:buNone/>
-            </a:pPr>
-            <a:r>
-              <a:rPr b="1" lang="en">
-                <a:solidFill>
-                  <a:schemeClr val="lt1"/>
-                </a:solidFill>
-              </a:rPr>
-              <a:t>Runs at 127.0.0.1:5111</a:t>
-            </a:r>
-            <a:endParaRPr b="1">
-              <a:solidFill>
-                <a:schemeClr val="lt1"/>
-              </a:solidFill>
-            </a:endParaRPr>
-          </a:p>
-        </p:txBody>
-      </p:sp>
-      <p:cxnSp>
-        <p:nvCxnSpPr>
-          <p:cNvPr id="190" name="Google Shape;190;p21"/>
-          <p:cNvCxnSpPr/>
-          <p:nvPr/>
-        </p:nvCxnSpPr>
-        <p:spPr>
-          <a:xfrm>
-            <a:off x="3533300" y="3846425"/>
-            <a:ext cx="14400" cy="509100"/>
-          </a:xfrm>
-          <a:prstGeom prst="straightConnector1">
-            <a:avLst/>
-          </a:prstGeom>
-          <a:noFill/>
-          <a:ln cap="flat" cmpd="sng" w="38100">
-            <a:solidFill>
-              <a:schemeClr val="dk1"/>
-            </a:solidFill>
-            <a:prstDash val="solid"/>
-            <a:round/>
-            <a:headEnd len="med" w="med" type="none"/>
-            <a:tailEnd len="med" w="med" type="none"/>
-          </a:ln>
-        </p:spPr>
-      </p:cxnSp>
-      <p:sp>
-        <p:nvSpPr>
-          <p:cNvPr id="191" name="Google Shape;191;p21"/>
-          <p:cNvSpPr txBox="1"/>
-          <p:nvPr/>
-        </p:nvSpPr>
-        <p:spPr>
-          <a:xfrm>
-            <a:off x="2654225" y="4322425"/>
-            <a:ext cx="2788200" cy="711000"/>
-          </a:xfrm>
-          <a:prstGeom prst="rect">
-            <a:avLst/>
-          </a:prstGeom>
-          <a:noFill/>
-          <a:ln>
-            <a:noFill/>
-          </a:ln>
-        </p:spPr>
-        <p:txBody>
-          <a:bodyPr anchorCtr="0" anchor="t" bIns="91425" lIns="91425" spcFirstLastPara="1" rIns="91425" wrap="square" tIns="91425">
-            <a:noAutofit/>
-          </a:bodyPr>
-          <a:lstStyle/>
-          <a:p>
-            <a:pPr indent="0" lvl="0" marL="0" rtl="0" algn="l">
-              <a:spcBef>
-                <a:spcPts val="0"/>
-              </a:spcBef>
-              <a:spcAft>
-                <a:spcPts val="0"/>
-              </a:spcAft>
-              <a:buNone/>
-            </a:pPr>
-            <a:r>
-              <a:rPr b="1" lang="en">
-                <a:solidFill>
-                  <a:schemeClr val="lt1"/>
-                </a:solidFill>
-              </a:rPr>
-              <a:t>User enters query here</a:t>
-            </a:r>
-            <a:endParaRPr b="1">
-              <a:solidFill>
-                <a:schemeClr val="lt1"/>
-              </a:solidFill>
-            </a:endParaRPr>
-          </a:p>
-        </p:txBody>
-      </p:sp>
     </p:spTree>
   </p:cSld>
   <p:clrMapOvr>
